--- a/TASK 1/CEF 440 - GROUP 2.pptx
+++ b/TASK 1/CEF 440 - GROUP 2.pptx
@@ -12,21 +12,23 @@
     <p:sldId id="260" r:id="rId6"/>
     <p:sldId id="266" r:id="rId7"/>
     <p:sldId id="261" r:id="rId8"/>
-    <p:sldId id="272" r:id="rId9"/>
-    <p:sldId id="267" r:id="rId10"/>
-    <p:sldId id="263" r:id="rId11"/>
-    <p:sldId id="273" r:id="rId12"/>
-    <p:sldId id="262" r:id="rId13"/>
-    <p:sldId id="268" r:id="rId14"/>
-    <p:sldId id="269" r:id="rId15"/>
-    <p:sldId id="274" r:id="rId16"/>
-    <p:sldId id="270" r:id="rId17"/>
-    <p:sldId id="271" r:id="rId18"/>
-    <p:sldId id="275" r:id="rId19"/>
-    <p:sldId id="276" r:id="rId20"/>
-    <p:sldId id="277" r:id="rId21"/>
-    <p:sldId id="264" r:id="rId22"/>
-    <p:sldId id="265" r:id="rId23"/>
+    <p:sldId id="280" r:id="rId9"/>
+    <p:sldId id="272" r:id="rId10"/>
+    <p:sldId id="267" r:id="rId11"/>
+    <p:sldId id="263" r:id="rId12"/>
+    <p:sldId id="273" r:id="rId13"/>
+    <p:sldId id="278" r:id="rId14"/>
+    <p:sldId id="262" r:id="rId15"/>
+    <p:sldId id="268" r:id="rId16"/>
+    <p:sldId id="269" r:id="rId17"/>
+    <p:sldId id="274" r:id="rId18"/>
+    <p:sldId id="270" r:id="rId19"/>
+    <p:sldId id="271" r:id="rId20"/>
+    <p:sldId id="275" r:id="rId21"/>
+    <p:sldId id="276" r:id="rId22"/>
+    <p:sldId id="277" r:id="rId23"/>
+    <p:sldId id="264" r:id="rId24"/>
+    <p:sldId id="265" r:id="rId25"/>
   </p:sldIdLst>
   <p:sldSz cx="12192000" cy="6858000"/>
   <p:notesSz cx="6858000" cy="9144000"/>
@@ -137,10 +139,12 @@
             <p14:sldId id="260"/>
             <p14:sldId id="266"/>
             <p14:sldId id="261"/>
+            <p14:sldId id="280"/>
             <p14:sldId id="272"/>
             <p14:sldId id="267"/>
             <p14:sldId id="263"/>
             <p14:sldId id="273"/>
+            <p14:sldId id="278"/>
             <p14:sldId id="262"/>
             <p14:sldId id="268"/>
             <p14:sldId id="269"/>
@@ -362,7 +366,7 @@
             <a:fld id="{B61BEF0D-F0BB-DE4B-95CE-6DB70DBA9567}" type="datetimeFigureOut">
               <a:rPr lang="en-US" smtClean="0"/>
               <a:pPr/>
-              <a:t>4/4/2024</a:t>
+              <a:t>4/9/2024</a:t>
             </a:fld>
             <a:endParaRPr lang="en-US" dirty="0"/>
           </a:p>
@@ -639,7 +643,7 @@
             <a:fld id="{B61BEF0D-F0BB-DE4B-95CE-6DB70DBA9567}" type="datetimeFigureOut">
               <a:rPr lang="en-US" smtClean="0"/>
               <a:pPr/>
-              <a:t>4/4/2024</a:t>
+              <a:t>4/9/2024</a:t>
             </a:fld>
             <a:endParaRPr lang="en-US" dirty="0"/>
           </a:p>
@@ -835,7 +839,7 @@
             <a:fld id="{B61BEF0D-F0BB-DE4B-95CE-6DB70DBA9567}" type="datetimeFigureOut">
               <a:rPr lang="en-US" smtClean="0"/>
               <a:pPr/>
-              <a:t>4/4/2024</a:t>
+              <a:t>4/9/2024</a:t>
             </a:fld>
             <a:endParaRPr lang="en-US" dirty="0"/>
           </a:p>
@@ -1108,7 +1112,7 @@
             <a:fld id="{B61BEF0D-F0BB-DE4B-95CE-6DB70DBA9567}" type="datetimeFigureOut">
               <a:rPr lang="en-US" smtClean="0"/>
               <a:pPr/>
-              <a:t>4/4/2024</a:t>
+              <a:t>4/9/2024</a:t>
             </a:fld>
             <a:endParaRPr lang="en-US" dirty="0"/>
           </a:p>
@@ -1437,7 +1441,7 @@
             <a:fld id="{B61BEF0D-F0BB-DE4B-95CE-6DB70DBA9567}" type="datetimeFigureOut">
               <a:rPr lang="en-US" smtClean="0"/>
               <a:pPr/>
-              <a:t>4/4/2024</a:t>
+              <a:t>4/9/2024</a:t>
             </a:fld>
             <a:endParaRPr lang="en-US" dirty="0"/>
           </a:p>
@@ -2058,7 +2062,7 @@
             <a:fld id="{B61BEF0D-F0BB-DE4B-95CE-6DB70DBA9567}" type="datetimeFigureOut">
               <a:rPr lang="en-US" smtClean="0"/>
               <a:pPr/>
-              <a:t>4/4/2024</a:t>
+              <a:t>4/9/2024</a:t>
             </a:fld>
             <a:endParaRPr lang="en-US" dirty="0"/>
           </a:p>
@@ -2907,7 +2911,7 @@
             <a:fld id="{B61BEF0D-F0BB-DE4B-95CE-6DB70DBA9567}" type="datetimeFigureOut">
               <a:rPr lang="en-US" smtClean="0"/>
               <a:pPr/>
-              <a:t>4/4/2024</a:t>
+              <a:t>4/9/2024</a:t>
             </a:fld>
             <a:endParaRPr lang="en-US" dirty="0"/>
           </a:p>
@@ -3079,7 +3083,7 @@
             <a:fld id="{B61BEF0D-F0BB-DE4B-95CE-6DB70DBA9567}" type="datetimeFigureOut">
               <a:rPr lang="en-US" smtClean="0"/>
               <a:pPr/>
-              <a:t>4/4/2024</a:t>
+              <a:t>4/9/2024</a:t>
             </a:fld>
             <a:endParaRPr lang="en-US" dirty="0"/>
           </a:p>
@@ -3261,7 +3265,7 @@
             <a:fld id="{B61BEF0D-F0BB-DE4B-95CE-6DB70DBA9567}" type="datetimeFigureOut">
               <a:rPr lang="en-US" smtClean="0"/>
               <a:pPr/>
-              <a:t>4/4/2024</a:t>
+              <a:t>4/9/2024</a:t>
             </a:fld>
             <a:endParaRPr lang="en-US" dirty="0"/>
           </a:p>
@@ -3433,7 +3437,7 @@
             <a:fld id="{B61BEF0D-F0BB-DE4B-95CE-6DB70DBA9567}" type="datetimeFigureOut">
               <a:rPr lang="en-US" smtClean="0"/>
               <a:pPr/>
-              <a:t>4/4/2024</a:t>
+              <a:t>4/9/2024</a:t>
             </a:fld>
             <a:endParaRPr lang="en-US" dirty="0"/>
           </a:p>
@@ -3682,7 +3686,7 @@
             <a:fld id="{B61BEF0D-F0BB-DE4B-95CE-6DB70DBA9567}" type="datetimeFigureOut">
               <a:rPr lang="en-US" smtClean="0"/>
               <a:pPr/>
-              <a:t>4/4/2024</a:t>
+              <a:t>4/9/2024</a:t>
             </a:fld>
             <a:endParaRPr lang="en-US" dirty="0"/>
           </a:p>
@@ -3976,7 +3980,7 @@
             <a:fld id="{B61BEF0D-F0BB-DE4B-95CE-6DB70DBA9567}" type="datetimeFigureOut">
               <a:rPr lang="en-US" smtClean="0"/>
               <a:pPr/>
-              <a:t>4/4/2024</a:t>
+              <a:t>4/9/2024</a:t>
             </a:fld>
             <a:endParaRPr lang="en-US" dirty="0"/>
           </a:p>
@@ -4422,7 +4426,7 @@
             <a:fld id="{B61BEF0D-F0BB-DE4B-95CE-6DB70DBA9567}" type="datetimeFigureOut">
               <a:rPr lang="en-US" smtClean="0"/>
               <a:pPr/>
-              <a:t>4/4/2024</a:t>
+              <a:t>4/9/2024</a:t>
             </a:fld>
             <a:endParaRPr lang="en-US" dirty="0"/>
           </a:p>
@@ -4542,7 +4546,7 @@
             <a:fld id="{B61BEF0D-F0BB-DE4B-95CE-6DB70DBA9567}" type="datetimeFigureOut">
               <a:rPr lang="en-US" smtClean="0"/>
               <a:pPr/>
-              <a:t>4/4/2024</a:t>
+              <a:t>4/9/2024</a:t>
             </a:fld>
             <a:endParaRPr lang="en-US" dirty="0"/>
           </a:p>
@@ -4639,7 +4643,7 @@
             <a:fld id="{B61BEF0D-F0BB-DE4B-95CE-6DB70DBA9567}" type="datetimeFigureOut">
               <a:rPr lang="en-US" smtClean="0"/>
               <a:pPr/>
-              <a:t>4/4/2024</a:t>
+              <a:t>4/9/2024</a:t>
             </a:fld>
             <a:endParaRPr lang="en-US" dirty="0"/>
           </a:p>
@@ -4920,7 +4924,7 @@
             <a:fld id="{B61BEF0D-F0BB-DE4B-95CE-6DB70DBA9567}" type="datetimeFigureOut">
               <a:rPr lang="en-US" smtClean="0"/>
               <a:pPr/>
-              <a:t>4/4/2024</a:t>
+              <a:t>4/9/2024</a:t>
             </a:fld>
             <a:endParaRPr lang="en-US" dirty="0"/>
           </a:p>
@@ -5197,7 +5201,7 @@
             <a:fld id="{B61BEF0D-F0BB-DE4B-95CE-6DB70DBA9567}" type="datetimeFigureOut">
               <a:rPr lang="en-US" smtClean="0"/>
               <a:pPr/>
-              <a:t>4/4/2024</a:t>
+              <a:t>4/9/2024</a:t>
             </a:fld>
             <a:endParaRPr lang="en-US" dirty="0"/>
           </a:p>
@@ -5622,7 +5626,7 @@
             <a:fld id="{B61BEF0D-F0BB-DE4B-95CE-6DB70DBA9567}" type="datetimeFigureOut">
               <a:rPr lang="en-US" smtClean="0"/>
               <a:pPr/>
-              <a:t>4/4/2024</a:t>
+              <a:t>4/9/2024</a:t>
             </a:fld>
             <a:endParaRPr lang="en-US" dirty="0"/>
           </a:p>
@@ -6536,163 +6540,39 @@
           <a:chExt cx="0" cy="0"/>
         </a:xfrm>
       </p:grpSpPr>
-      <p:sp>
-        <p:nvSpPr>
-          <p:cNvPr id="2" name="Title 1">
+      <p:pic>
+        <p:nvPicPr>
+          <p:cNvPr id="5" name="Content Placeholder 4">
             <a:extLst>
               <a:ext uri="{FF2B5EF4-FFF2-40B4-BE49-F238E27FC236}">
-                <a16:creationId xmlns:a16="http://schemas.microsoft.com/office/drawing/2014/main" id="{579DA07B-99EB-64BE-3416-8155C4C79467}"/>
+                <a16:creationId xmlns:a16="http://schemas.microsoft.com/office/drawing/2014/main" id="{BA1CF17B-3B16-53B6-C0C7-E592FF5709A0}"/>
               </a:ext>
             </a:extLst>
           </p:cNvPr>
-          <p:cNvSpPr>
-            <a:spLocks noGrp="1"/>
-          </p:cNvSpPr>
-          <p:nvPr>
-            <p:ph type="title"/>
-          </p:nvPr>
-        </p:nvSpPr>
+          <p:cNvPicPr>
+            <a:picLocks noGrp="1" noChangeAspect="1"/>
+          </p:cNvPicPr>
+          <p:nvPr>
+            <p:ph idx="1"/>
+          </p:nvPr>
+        </p:nvPicPr>
+        <p:blipFill>
+          <a:blip r:embed="rId2"/>
+          <a:stretch>
+            <a:fillRect/>
+          </a:stretch>
+        </p:blipFill>
         <p:spPr>
           <a:xfrm>
-            <a:off x="1141413" y="378106"/>
-            <a:ext cx="9905998" cy="1693761"/>
+            <a:off x="177334" y="466531"/>
+            <a:ext cx="11553899" cy="6036906"/>
           </a:xfrm>
         </p:spPr>
-        <p:txBody>
-          <a:bodyPr/>
-          <a:lstStyle/>
-          <a:p>
-            <a:r>
-              <a:rPr lang="en-US" sz="3600" b="1" dirty="0"/>
-              <a:t>IV. REVIEW AND COMPARE SOME POPULAR MOBILE APP DEVELOPMENT FRAMEWORKS BASED ON KEY FEATURES</a:t>
-            </a:r>
-          </a:p>
-        </p:txBody>
-      </p:sp>
-      <p:sp>
-        <p:nvSpPr>
-          <p:cNvPr id="3" name="Content Placeholder 2">
-            <a:extLst>
-              <a:ext uri="{FF2B5EF4-FFF2-40B4-BE49-F238E27FC236}">
-                <a16:creationId xmlns:a16="http://schemas.microsoft.com/office/drawing/2014/main" id="{FE5FC044-F335-52C7-A7F4-9311157625A4}"/>
-              </a:ext>
-            </a:extLst>
-          </p:cNvPr>
-          <p:cNvSpPr>
-            <a:spLocks noGrp="1"/>
-          </p:cNvSpPr>
-          <p:nvPr>
-            <p:ph idx="1"/>
-          </p:nvPr>
-        </p:nvSpPr>
-        <p:spPr>
-          <a:xfrm>
-            <a:off x="780629" y="2308560"/>
-            <a:ext cx="10627566" cy="4711958"/>
-          </a:xfrm>
-        </p:spPr>
-        <p:txBody>
-          <a:bodyPr>
-            <a:normAutofit fontScale="77500" lnSpcReduction="20000"/>
-          </a:bodyPr>
-          <a:lstStyle/>
-          <a:p>
-            <a:pPr algn="l"/>
-            <a:r>
-              <a:rPr lang="en-US" sz="3800" b="0" i="0" dirty="0">
-                <a:solidFill>
-                  <a:schemeClr val="tx1"/>
-                </a:solidFill>
-                <a:effectLst/>
-                <a:latin typeface="Google Sans"/>
-              </a:rPr>
-              <a:t>The choice of programming language for mobile app development depends on the target platform and the specific requirements of the project. Here's a brief overview of some popular options:</a:t>
-            </a:r>
-          </a:p>
-          <a:p>
-            <a:pPr algn="l"/>
-            <a:endParaRPr lang="en-US" sz="3800" b="0" i="0" dirty="0">
-              <a:solidFill>
-                <a:schemeClr val="tx1"/>
-              </a:solidFill>
-              <a:effectLst/>
-              <a:latin typeface="Google Sans"/>
-            </a:endParaRPr>
-          </a:p>
-          <a:p>
-            <a:pPr algn="l">
-              <a:buFont typeface="Arial" panose="020B0604020202020204" pitchFamily="34" charset="0"/>
-              <a:buChar char="•"/>
-            </a:pPr>
-            <a:r>
-              <a:rPr lang="en-US" sz="3800" b="1" i="0" dirty="0">
-                <a:solidFill>
-                  <a:schemeClr val="tx1"/>
-                </a:solidFill>
-                <a:effectLst/>
-                <a:latin typeface="Google Sans"/>
-              </a:rPr>
-              <a:t>Java</a:t>
-            </a:r>
-            <a:r>
-              <a:rPr lang="en-US" sz="3800" b="0" i="0" dirty="0">
-                <a:solidFill>
-                  <a:schemeClr val="tx1"/>
-                </a:solidFill>
-                <a:effectLst/>
-                <a:latin typeface="Google Sans"/>
-              </a:rPr>
-              <a:t>: Widely used for Android app development, known for its platform-independence and rich ecosystem of libraries and tools.</a:t>
-            </a:r>
-          </a:p>
-          <a:p>
-            <a:pPr algn="l">
-              <a:buFont typeface="Arial" panose="020B0604020202020204" pitchFamily="34" charset="0"/>
-              <a:buChar char="•"/>
-            </a:pPr>
-            <a:endParaRPr lang="en-US" sz="3800" b="0" i="0" dirty="0">
-              <a:solidFill>
-                <a:schemeClr val="tx1"/>
-              </a:solidFill>
-              <a:effectLst/>
-              <a:latin typeface="Google Sans"/>
-            </a:endParaRPr>
-          </a:p>
-          <a:p>
-            <a:pPr algn="l">
-              <a:buFont typeface="Arial" panose="020B0604020202020204" pitchFamily="34" charset="0"/>
-              <a:buChar char="•"/>
-            </a:pPr>
-            <a:r>
-              <a:rPr lang="en-US" sz="3800" b="1" i="0" dirty="0">
-                <a:solidFill>
-                  <a:schemeClr val="tx1"/>
-                </a:solidFill>
-                <a:effectLst/>
-                <a:latin typeface="Google Sans"/>
-              </a:rPr>
-              <a:t>Kotlin</a:t>
-            </a:r>
-            <a:r>
-              <a:rPr lang="en-US" sz="3800" b="0" i="0" dirty="0">
-                <a:solidFill>
-                  <a:schemeClr val="tx1"/>
-                </a:solidFill>
-                <a:effectLst/>
-                <a:latin typeface="Google Sans"/>
-              </a:rPr>
-              <a:t>: A modern language gaining popularity for Android development, offering features like null safety and concise syntax.</a:t>
-            </a:r>
-          </a:p>
-          <a:p>
-            <a:endParaRPr lang="en-CM" dirty="0"/>
-          </a:p>
-        </p:txBody>
-      </p:sp>
+      </p:pic>
     </p:spTree>
     <p:extLst>
       <p:ext uri="{BB962C8B-B14F-4D97-AF65-F5344CB8AC3E}">
-        <p14:creationId xmlns:p14="http://schemas.microsoft.com/office/powerpoint/2010/main" val="1349182622"/>
+        <p14:creationId xmlns:p14="http://schemas.microsoft.com/office/powerpoint/2010/main" val="2716420271"/>
       </p:ext>
     </p:extLst>
   </p:cSld>
@@ -6721,10 +6601,10 @@
       </p:grpSpPr>
       <p:sp>
         <p:nvSpPr>
-          <p:cNvPr id="3" name="Content Placeholder 2">
+          <p:cNvPr id="2" name="Title 1">
             <a:extLst>
               <a:ext uri="{FF2B5EF4-FFF2-40B4-BE49-F238E27FC236}">
-                <a16:creationId xmlns:a16="http://schemas.microsoft.com/office/drawing/2014/main" id="{722BE7D0-5D4D-A123-1A6C-21C9A76C7A6C}"/>
+                <a16:creationId xmlns:a16="http://schemas.microsoft.com/office/drawing/2014/main" id="{579DA07B-99EB-64BE-3416-8155C4C79467}"/>
               </a:ext>
             </a:extLst>
           </p:cNvPr>
@@ -6732,204 +6612,275 @@
             <a:spLocks noGrp="1"/>
           </p:cNvSpPr>
           <p:nvPr>
-            <p:ph idx="1"/>
+            <p:ph type="title"/>
           </p:nvPr>
         </p:nvSpPr>
         <p:spPr>
           <a:xfrm>
-            <a:off x="636608" y="428263"/>
-            <a:ext cx="10926501" cy="6123007"/>
+            <a:off x="1141413" y="378106"/>
+            <a:ext cx="9905998" cy="1693761"/>
           </a:xfrm>
         </p:spPr>
         <p:txBody>
+          <a:bodyPr/>
+          <a:lstStyle/>
+          <a:p>
+            <a:r>
+              <a:rPr lang="en-US" sz="3600" b="1" dirty="0"/>
+              <a:t>IV. REVIEW AND COMPARE SOME POPULAR MOBILE APP DEVELOPMENT FRAMEWORKS BASED ON KEY FEATURES</a:t>
+            </a:r>
+          </a:p>
+        </p:txBody>
+      </p:sp>
+      <p:sp>
+        <p:nvSpPr>
+          <p:cNvPr id="4" name="Content Placeholder 2">
+            <a:extLst>
+              <a:ext uri="{FF2B5EF4-FFF2-40B4-BE49-F238E27FC236}">
+                <a16:creationId xmlns:a16="http://schemas.microsoft.com/office/drawing/2014/main" id="{8FC2EF7E-F00E-1E7F-1213-6764EBFBF34F}"/>
+              </a:ext>
+            </a:extLst>
+          </p:cNvPr>
+          <p:cNvSpPr>
+            <a:spLocks noGrp="1"/>
+          </p:cNvSpPr>
+          <p:nvPr>
+            <p:ph idx="1"/>
+          </p:nvPr>
+        </p:nvSpPr>
+        <p:spPr>
+          <a:xfrm>
+            <a:off x="606490" y="2052918"/>
+            <a:ext cx="11196734" cy="4426976"/>
+          </a:xfrm>
+        </p:spPr>
+        <p:txBody>
           <a:bodyPr>
-            <a:normAutofit lnSpcReduction="10000"/>
+            <a:normAutofit fontScale="77500" lnSpcReduction="20000"/>
           </a:bodyPr>
           <a:lstStyle/>
           <a:p>
-            <a:pPr algn="l">
-              <a:buFont typeface="Arial" panose="020B0604020202020204" pitchFamily="34" charset="0"/>
-              <a:buChar char="•"/>
+            <a:r>
+              <a:rPr lang="en-US" sz="2800" dirty="0"/>
+              <a:t>3.1.1. Xamarin</a:t>
+            </a:r>
+          </a:p>
+          <a:p>
+            <a:pPr marL="0" indent="0">
+              <a:buNone/>
             </a:pPr>
             <a:r>
-              <a:rPr lang="en-US" sz="2400" b="1" i="0" dirty="0">
-                <a:solidFill>
-                  <a:schemeClr val="tx1"/>
-                </a:solidFill>
-                <a:effectLst/>
-                <a:latin typeface="Google Sans"/>
-              </a:rPr>
-              <a:t>Swift</a:t>
-            </a:r>
-            <a:r>
-              <a:rPr lang="en-US" sz="2400" b="0" i="0" dirty="0">
-                <a:solidFill>
-                  <a:schemeClr val="tx1"/>
-                </a:solidFill>
-                <a:effectLst/>
-                <a:latin typeface="Google Sans"/>
-              </a:rPr>
-              <a:t>: Apple's preferred language for iOS and macOS development, known for its safety features, performance, and ease of learning.</a:t>
-            </a:r>
-          </a:p>
-          <a:p>
-            <a:pPr algn="l">
-              <a:buFont typeface="Arial" panose="020B0604020202020204" pitchFamily="34" charset="0"/>
-              <a:buChar char="•"/>
+              <a:rPr lang="en-US" sz="2800" dirty="0"/>
+              <a:t> - Language: C#</a:t>
+            </a:r>
+          </a:p>
+          <a:p>
+            <a:pPr marL="0" indent="0">
+              <a:buNone/>
             </a:pPr>
-            <a:endParaRPr lang="en-US" sz="2400" b="0" i="0" dirty="0">
-              <a:solidFill>
-                <a:schemeClr val="tx1"/>
-              </a:solidFill>
-              <a:effectLst/>
-              <a:latin typeface="Google Sans"/>
-            </a:endParaRPr>
-          </a:p>
-          <a:p>
-            <a:pPr algn="l">
-              <a:buFont typeface="Arial" panose="020B0604020202020204" pitchFamily="34" charset="0"/>
-              <a:buChar char="•"/>
+            <a:r>
+              <a:rPr lang="en-US" sz="2800" dirty="0"/>
+              <a:t> - Performance: Near-native performance due to compilation to native code. </a:t>
+            </a:r>
+          </a:p>
+          <a:p>
+            <a:pPr marL="0" indent="0">
+              <a:buNone/>
             </a:pPr>
             <a:r>
-              <a:rPr lang="en-US" sz="2400" b="1" i="0" dirty="0">
-                <a:solidFill>
-                  <a:schemeClr val="tx1"/>
-                </a:solidFill>
-                <a:effectLst/>
-                <a:latin typeface="Google Sans"/>
-              </a:rPr>
-              <a:t>Objective-C</a:t>
-            </a:r>
-            <a:r>
-              <a:rPr lang="en-US" sz="2400" b="0" i="0" dirty="0">
-                <a:solidFill>
-                  <a:schemeClr val="tx1"/>
-                </a:solidFill>
-                <a:effectLst/>
-                <a:latin typeface="Google Sans"/>
-              </a:rPr>
-              <a:t>: A traditional language used for iOS development, often used in conjunction with Swift for existing projects.</a:t>
-            </a:r>
-          </a:p>
-          <a:p>
-            <a:pPr algn="l">
-              <a:buFont typeface="Arial" panose="020B0604020202020204" pitchFamily="34" charset="0"/>
-              <a:buChar char="•"/>
+              <a:rPr lang="en-US" sz="2800" dirty="0"/>
+              <a:t>-Cost &amp; Time to Market: Generally cost-effective and can speed up development time.</a:t>
+            </a:r>
+          </a:p>
+          <a:p>
+            <a:pPr marL="0" indent="0">
+              <a:buNone/>
             </a:pPr>
-            <a:endParaRPr lang="en-US" sz="2400" b="0" i="0" dirty="0">
-              <a:solidFill>
-                <a:schemeClr val="tx1"/>
-              </a:solidFill>
-              <a:effectLst/>
-              <a:latin typeface="Google Sans"/>
-            </a:endParaRPr>
-          </a:p>
-          <a:p>
-            <a:pPr algn="l">
-              <a:buFont typeface="Arial" panose="020B0604020202020204" pitchFamily="34" charset="0"/>
-              <a:buChar char="•"/>
+            <a:r>
+              <a:rPr lang="en-US" sz="2800" dirty="0"/>
+              <a:t> - UX &amp; UI: Supports building native user interfaces for iOS and Android.</a:t>
+            </a:r>
+          </a:p>
+          <a:p>
+            <a:pPr marL="0" indent="0">
+              <a:buNone/>
             </a:pPr>
             <a:r>
-              <a:rPr lang="en-US" sz="2400" b="1" i="0" dirty="0">
-                <a:solidFill>
-                  <a:schemeClr val="tx1"/>
-                </a:solidFill>
-                <a:effectLst/>
-                <a:latin typeface="Google Sans"/>
-              </a:rPr>
-              <a:t>Python</a:t>
-            </a:r>
-            <a:r>
-              <a:rPr lang="en-US" sz="2400" b="0" i="0" dirty="0">
-                <a:solidFill>
-                  <a:schemeClr val="tx1"/>
-                </a:solidFill>
-                <a:effectLst/>
-                <a:latin typeface="Google Sans"/>
-              </a:rPr>
-              <a:t>: A versatile language used for web development, data science, and automation tasks, also gaining traction in mobile app development, particularly for prototyping.</a:t>
-            </a:r>
-          </a:p>
-          <a:p>
-            <a:pPr algn="l">
-              <a:buFont typeface="Arial" panose="020B0604020202020204" pitchFamily="34" charset="0"/>
-              <a:buChar char="•"/>
+              <a:rPr lang="en-US" sz="2800" dirty="0"/>
+              <a:t> - Complexity: Learning curve for C# and platform-specific APIs.</a:t>
+            </a:r>
+          </a:p>
+          <a:p>
+            <a:pPr marL="0" indent="0">
+              <a:buNone/>
             </a:pPr>
-            <a:endParaRPr lang="en-US" sz="2400" b="0" i="0" dirty="0">
-              <a:solidFill>
-                <a:schemeClr val="tx1"/>
-              </a:solidFill>
-              <a:effectLst/>
-              <a:latin typeface="Google Sans"/>
-            </a:endParaRPr>
-          </a:p>
-          <a:p>
-            <a:pPr algn="l">
-              <a:buFont typeface="Arial" panose="020B0604020202020204" pitchFamily="34" charset="0"/>
-              <a:buChar char="•"/>
+            <a:r>
+              <a:rPr lang="en-US" sz="2800" dirty="0"/>
+              <a:t> - Community Support: Strong community support from Microsoft and developers.</a:t>
+            </a:r>
+          </a:p>
+          <a:p>
+            <a:pPr marL="0" indent="0">
+              <a:buNone/>
             </a:pPr>
             <a:r>
-              <a:rPr lang="en-US" sz="2400" b="1" i="0" dirty="0">
-                <a:solidFill>
-                  <a:schemeClr val="tx1"/>
-                </a:solidFill>
-                <a:effectLst/>
-                <a:latin typeface="Google Sans"/>
-              </a:rPr>
-              <a:t>Dart</a:t>
-            </a:r>
-            <a:r>
-              <a:rPr lang="en-US" sz="2400" b="0" i="0" dirty="0">
-                <a:solidFill>
-                  <a:schemeClr val="tx1"/>
-                </a:solidFill>
-                <a:effectLst/>
-                <a:latin typeface="Google Sans"/>
-              </a:rPr>
-              <a:t>: Google's language used with the Flutter framework for building cross-platform mobile apps, known for its high performance and hot reload feature.</a:t>
-            </a:r>
-          </a:p>
-          <a:p>
-            <a:pPr algn="l">
-              <a:buFont typeface="Arial" panose="020B0604020202020204" pitchFamily="34" charset="0"/>
-              <a:buChar char="•"/>
+              <a:rPr lang="en-US" sz="2800" dirty="0"/>
+              <a:t> - Usage: Suitable for cross-platform development targeting iOS, Android, and Windows. </a:t>
+            </a:r>
+          </a:p>
+        </p:txBody>
+      </p:sp>
+    </p:spTree>
+    <p:extLst>
+      <p:ext uri="{BB962C8B-B14F-4D97-AF65-F5344CB8AC3E}">
+        <p14:creationId xmlns:p14="http://schemas.microsoft.com/office/powerpoint/2010/main" val="1349182622"/>
+      </p:ext>
+    </p:extLst>
+  </p:cSld>
+  <p:clrMapOvr>
+    <a:masterClrMapping/>
+  </p:clrMapOvr>
+</p:sld>
+</file>
+
+<file path=ppt/slides/slide12.xml><?xml version="1.0" encoding="utf-8"?>
+<p:sld xmlns:a="http://schemas.openxmlformats.org/drawingml/2006/main" xmlns:r="http://schemas.openxmlformats.org/officeDocument/2006/relationships" xmlns:p="http://schemas.openxmlformats.org/presentationml/2006/main">
+  <p:cSld>
+    <p:spTree>
+      <p:nvGrpSpPr>
+        <p:cNvPr id="1" name=""/>
+        <p:cNvGrpSpPr/>
+        <p:nvPr/>
+      </p:nvGrpSpPr>
+      <p:grpSpPr>
+        <a:xfrm>
+          <a:off x="0" y="0"/>
+          <a:ext cx="0" cy="0"/>
+          <a:chOff x="0" y="0"/>
+          <a:chExt cx="0" cy="0"/>
+        </a:xfrm>
+      </p:grpSpPr>
+      <p:sp>
+        <p:nvSpPr>
+          <p:cNvPr id="6" name="TextBox 5">
+            <a:extLst>
+              <a:ext uri="{FF2B5EF4-FFF2-40B4-BE49-F238E27FC236}">
+                <a16:creationId xmlns:a16="http://schemas.microsoft.com/office/drawing/2014/main" id="{BDD7583E-9D91-9A43-DCB9-9D782D3DFD9F}"/>
+              </a:ext>
+            </a:extLst>
+          </p:cNvPr>
+          <p:cNvSpPr txBox="1"/>
+          <p:nvPr/>
+        </p:nvSpPr>
+        <p:spPr>
+          <a:xfrm>
+            <a:off x="223936" y="167951"/>
+            <a:ext cx="11644604" cy="6001643"/>
+          </a:xfrm>
+          <a:prstGeom prst="rect">
+            <a:avLst/>
+          </a:prstGeom>
+          <a:noFill/>
+        </p:spPr>
+        <p:txBody>
+          <a:bodyPr wrap="square">
+            <a:spAutoFit/>
+          </a:bodyPr>
+          <a:lstStyle/>
+          <a:p>
+            <a:pPr marL="342900" indent="-342900">
+              <a:buFontTx/>
+              <a:buChar char="-"/>
             </a:pPr>
-            <a:endParaRPr lang="en-US" sz="2400" b="0" i="0" dirty="0">
-              <a:solidFill>
-                <a:schemeClr val="tx1"/>
-              </a:solidFill>
-              <a:effectLst/>
-              <a:latin typeface="Google Sans"/>
-            </a:endParaRPr>
-          </a:p>
-          <a:p>
-            <a:pPr algn="l">
-              <a:buFont typeface="Arial" panose="020B0604020202020204" pitchFamily="34" charset="0"/>
-              <a:buChar char="•"/>
+            <a:r>
+              <a:rPr lang="en-US" sz="2400" dirty="0"/>
+              <a:t>Complexity: Dart might have a learning curve for developers new to the language. </a:t>
+            </a:r>
+          </a:p>
+          <a:p>
+            <a:pPr marL="342900" indent="-342900">
+              <a:buFontTx/>
+              <a:buChar char="-"/>
             </a:pPr>
             <a:r>
-              <a:rPr lang="en-US" sz="2400" b="1" i="0" dirty="0">
-                <a:solidFill>
-                  <a:schemeClr val="tx1"/>
-                </a:solidFill>
-                <a:effectLst/>
-                <a:latin typeface="Google Sans"/>
-              </a:rPr>
-              <a:t>HTML, CSS, and JavaScript</a:t>
-            </a:r>
-            <a:r>
-              <a:rPr lang="en-US" sz="2400" b="0" i="0" dirty="0">
-                <a:solidFill>
-                  <a:schemeClr val="tx1"/>
-                </a:solidFill>
-                <a:effectLst/>
-                <a:latin typeface="Google Sans"/>
-              </a:rPr>
-              <a:t>: The building blocks of web development, also used to create PWAs that offer a mobile-like experience.</a:t>
-            </a:r>
-          </a:p>
-          <a:p>
-            <a:endParaRPr lang="en-CM" dirty="0"/>
+              <a:rPr lang="en-US" sz="2400" dirty="0"/>
+              <a:t>- Community Support: Growing community with support from Google and the developer community.</a:t>
+            </a:r>
+          </a:p>
+          <a:p>
+            <a:pPr marL="342900" indent="-342900">
+              <a:buFontTx/>
+              <a:buChar char="-"/>
+            </a:pPr>
+            <a:r>
+              <a:rPr lang="en-US" sz="2400" dirty="0"/>
+              <a:t> - Usage: Supports cross-platform develop</a:t>
+            </a:r>
+          </a:p>
+          <a:p>
+            <a:pPr marL="342900" indent="-342900">
+              <a:buFontTx/>
+              <a:buChar char="-"/>
+            </a:pPr>
+            <a:endParaRPr lang="en-US" sz="2400" dirty="0"/>
+          </a:p>
+          <a:p>
+            <a:r>
+              <a:rPr lang="en-US" sz="2400" dirty="0"/>
+              <a:t>3.1.2. React Native - Language: JavaScript</a:t>
+            </a:r>
+          </a:p>
+          <a:p>
+            <a:r>
+              <a:rPr lang="en-US" sz="2400" dirty="0"/>
+              <a:t> - Performance: Good performance but may have some overhead due to bridge communication. </a:t>
+            </a:r>
+          </a:p>
+          <a:p>
+            <a:r>
+              <a:rPr lang="en-US" sz="2400" dirty="0"/>
+              <a:t> - Cost &amp; Time to Market: Cost-effective and rapid development compared to building separate native apps. </a:t>
+            </a:r>
+          </a:p>
+          <a:p>
+            <a:pPr marL="342900" indent="-342900">
+              <a:buFontTx/>
+              <a:buChar char="-"/>
+            </a:pPr>
+            <a:r>
+              <a:rPr lang="en-US" sz="2400" dirty="0"/>
+              <a:t>UX &amp; UI: Utilizes native components for a native-like user experience. </a:t>
+            </a:r>
+          </a:p>
+          <a:p>
+            <a:pPr marL="342900" indent="-342900">
+              <a:buFontTx/>
+              <a:buChar char="-"/>
+            </a:pPr>
+            <a:r>
+              <a:rPr lang="en-US" sz="2400" dirty="0"/>
+              <a:t>Complexity: Relatively low complexity if familiar with JavaScript. </a:t>
+            </a:r>
+          </a:p>
+          <a:p>
+            <a:pPr marL="342900" indent="-342900">
+              <a:buFontTx/>
+              <a:buChar char="-"/>
+            </a:pPr>
+            <a:r>
+              <a:rPr lang="en-US" sz="2400" dirty="0"/>
+              <a:t>Community Support: Large community support with active contributions.  </a:t>
+            </a:r>
+          </a:p>
+          <a:p>
+            <a:pPr marL="342900" indent="-342900">
+              <a:buFontTx/>
+              <a:buChar char="-"/>
+            </a:pPr>
+            <a:r>
+              <a:rPr lang="en-US" sz="2400" dirty="0"/>
+              <a:t>Usage: Ideal for developing cross-platform apps for iOS, Android, and even web applications.</a:t>
+            </a:r>
           </a:p>
         </p:txBody>
       </p:sp>
@@ -6946,7 +6897,170 @@
 </p:sld>
 </file>
 
-<file path=ppt/slides/slide12.xml><?xml version="1.0" encoding="utf-8"?>
+<file path=ppt/slides/slide13.xml><?xml version="1.0" encoding="utf-8"?>
+<p:sld xmlns:a="http://schemas.openxmlformats.org/drawingml/2006/main" xmlns:r="http://schemas.openxmlformats.org/officeDocument/2006/relationships" xmlns:p="http://schemas.openxmlformats.org/presentationml/2006/main">
+  <p:cSld>
+    <p:spTree>
+      <p:nvGrpSpPr>
+        <p:cNvPr id="1" name=""/>
+        <p:cNvGrpSpPr/>
+        <p:nvPr/>
+      </p:nvGrpSpPr>
+      <p:grpSpPr>
+        <a:xfrm>
+          <a:off x="0" y="0"/>
+          <a:ext cx="0" cy="0"/>
+          <a:chOff x="0" y="0"/>
+          <a:chExt cx="0" cy="0"/>
+        </a:xfrm>
+      </p:grpSpPr>
+      <p:sp>
+        <p:nvSpPr>
+          <p:cNvPr id="9" name="TextBox 8">
+            <a:extLst>
+              <a:ext uri="{FF2B5EF4-FFF2-40B4-BE49-F238E27FC236}">
+                <a16:creationId xmlns:a16="http://schemas.microsoft.com/office/drawing/2014/main" id="{BEE0A781-9D42-BFE4-DFF5-9FF69B2E4CC7}"/>
+              </a:ext>
+            </a:extLst>
+          </p:cNvPr>
+          <p:cNvSpPr txBox="1"/>
+          <p:nvPr/>
+        </p:nvSpPr>
+        <p:spPr>
+          <a:xfrm>
+            <a:off x="391885" y="188015"/>
+            <a:ext cx="11513975" cy="6247864"/>
+          </a:xfrm>
+          <a:prstGeom prst="rect">
+            <a:avLst/>
+          </a:prstGeom>
+          <a:noFill/>
+        </p:spPr>
+        <p:txBody>
+          <a:bodyPr wrap="square">
+            <a:spAutoFit/>
+          </a:bodyPr>
+          <a:lstStyle/>
+          <a:p>
+            <a:r>
+              <a:rPr lang="en-US" sz="2000" dirty="0"/>
+              <a:t> 3.1.3. Flutter</a:t>
+            </a:r>
+          </a:p>
+          <a:p>
+            <a:r>
+              <a:rPr lang="en-US" sz="2000" dirty="0"/>
+              <a:t> - Language: Dart</a:t>
+            </a:r>
+          </a:p>
+          <a:p>
+            <a:r>
+              <a:rPr lang="en-US" sz="2000" dirty="0"/>
+              <a:t> - Performance: High performance with a compiled-to-native approach.</a:t>
+            </a:r>
+          </a:p>
+          <a:p>
+            <a:r>
+              <a:rPr lang="en-US" sz="2000" dirty="0"/>
+              <a:t> - Cost &amp; Time to Market: Cost-effective and can reduce development time with hot reload feature.</a:t>
+            </a:r>
+          </a:p>
+          <a:p>
+            <a:r>
+              <a:rPr lang="en-US" sz="2000" dirty="0"/>
+              <a:t> - UX &amp; UI: Offers customizable UI elements through its widget system, facilitating stunning designs. </a:t>
+            </a:r>
+            <a:r>
+              <a:rPr lang="en-US" sz="2000" dirty="0" err="1"/>
+              <a:t>ment</a:t>
+            </a:r>
+            <a:r>
+              <a:rPr lang="en-US" sz="2000" dirty="0"/>
+              <a:t> for iOS, Android, Web, and even Desktop applications. </a:t>
+            </a:r>
+          </a:p>
+          <a:p>
+            <a:endParaRPr lang="en-US" sz="2000" dirty="0"/>
+          </a:p>
+          <a:p>
+            <a:r>
+              <a:rPr lang="en-US" sz="2000" dirty="0"/>
+              <a:t>3.2. Comparison:</a:t>
+            </a:r>
+          </a:p>
+          <a:p>
+            <a:r>
+              <a:rPr lang="en-US" sz="2000" dirty="0"/>
+              <a:t> - Language: C# for Xamarin, JavaScript for React Native, Dart for Flutter. </a:t>
+            </a:r>
+          </a:p>
+          <a:p>
+            <a:pPr marL="342900" indent="-342900">
+              <a:buFontTx/>
+              <a:buChar char="-"/>
+            </a:pPr>
+            <a:r>
+              <a:rPr lang="en-US" sz="2000" dirty="0"/>
+              <a:t>Performance: Flutter offers high performance due to compiled native code, while React Native and Xamarin offer good performance.</a:t>
+            </a:r>
+          </a:p>
+          <a:p>
+            <a:pPr marL="342900" indent="-342900">
+              <a:buFontTx/>
+              <a:buChar char="-"/>
+            </a:pPr>
+            <a:r>
+              <a:rPr lang="en-US" sz="2000" dirty="0"/>
+              <a:t> - Cost &amp; Time to Market: All three frameworks are cost-effective options that can accelerate time to market compared to native app development. </a:t>
+            </a:r>
+          </a:p>
+          <a:p>
+            <a:pPr marL="342900" indent="-342900">
+              <a:buFontTx/>
+              <a:buChar char="-"/>
+            </a:pPr>
+            <a:r>
+              <a:rPr lang="en-US" sz="2000" dirty="0"/>
+              <a:t>- UX &amp; UI: Flutter provides a highly customizable UI, while React Native and Xamarin offer native-like user interfaces. </a:t>
+            </a:r>
+          </a:p>
+          <a:p>
+            <a:pPr marL="342900" indent="-342900">
+              <a:buFontTx/>
+              <a:buChar char="-"/>
+            </a:pPr>
+            <a:r>
+              <a:rPr lang="en-US" sz="2000" dirty="0"/>
+              <a:t>- Complexity: Xamarin may have a steeper learning curve due to platform-specific APIs, while React Native and Flutter are more developer-friendly.</a:t>
+            </a:r>
+          </a:p>
+          <a:p>
+            <a:pPr marL="342900" indent="-342900">
+              <a:buFontTx/>
+              <a:buChar char="-"/>
+            </a:pPr>
+            <a:r>
+              <a:rPr lang="en-US" sz="2000" dirty="0"/>
+              <a:t> - Community Support: React Native has a large community, followed by Flutter, while Xamarin has a strong backing from Microsoft.</a:t>
+            </a:r>
+            <a:endParaRPr lang="en-CM" sz="2000" dirty="0"/>
+          </a:p>
+        </p:txBody>
+      </p:sp>
+    </p:spTree>
+    <p:extLst>
+      <p:ext uri="{BB962C8B-B14F-4D97-AF65-F5344CB8AC3E}">
+        <p14:creationId xmlns:p14="http://schemas.microsoft.com/office/powerpoint/2010/main" val="1663701324"/>
+      </p:ext>
+    </p:extLst>
+  </p:cSld>
+  <p:clrMapOvr>
+    <a:masterClrMapping/>
+  </p:clrMapOvr>
+</p:sld>
+</file>
+
+<file path=ppt/slides/slide14.xml><?xml version="1.0" encoding="utf-8"?>
 <p:sld xmlns:a="http://schemas.openxmlformats.org/drawingml/2006/main" xmlns:r="http://schemas.openxmlformats.org/officeDocument/2006/relationships" xmlns:p="http://schemas.openxmlformats.org/presentationml/2006/main">
   <p:cSld>
     <p:spTree>
@@ -7025,411 +7139,6 @@
 </p:sld>
 </file>
 
-<file path=ppt/slides/slide13.xml><?xml version="1.0" encoding="utf-8"?>
-<p:sld xmlns:a="http://schemas.openxmlformats.org/drawingml/2006/main" xmlns:r="http://schemas.openxmlformats.org/officeDocument/2006/relationships" xmlns:p="http://schemas.openxmlformats.org/presentationml/2006/main">
-  <p:cSld>
-    <p:spTree>
-      <p:nvGrpSpPr>
-        <p:cNvPr id="1" name=""/>
-        <p:cNvGrpSpPr/>
-        <p:nvPr/>
-      </p:nvGrpSpPr>
-      <p:grpSpPr>
-        <a:xfrm>
-          <a:off x="0" y="0"/>
-          <a:ext cx="0" cy="0"/>
-          <a:chOff x="0" y="0"/>
-          <a:chExt cx="0" cy="0"/>
-        </a:xfrm>
-      </p:grpSpPr>
-      <p:sp>
-        <p:nvSpPr>
-          <p:cNvPr id="2" name="Title 1">
-            <a:extLst>
-              <a:ext uri="{FF2B5EF4-FFF2-40B4-BE49-F238E27FC236}">
-                <a16:creationId xmlns:a16="http://schemas.microsoft.com/office/drawing/2014/main" id="{29BD21F1-9836-19A1-5109-64DE8E37C077}"/>
-              </a:ext>
-            </a:extLst>
-          </p:cNvPr>
-          <p:cNvSpPr>
-            <a:spLocks noGrp="1"/>
-          </p:cNvSpPr>
-          <p:nvPr>
-            <p:ph type="title"/>
-          </p:nvPr>
-        </p:nvSpPr>
-        <p:spPr>
-          <a:xfrm>
-            <a:off x="636608" y="609600"/>
-            <a:ext cx="10880201" cy="1589590"/>
-          </a:xfrm>
-        </p:spPr>
-        <p:txBody>
-          <a:bodyPr/>
-          <a:lstStyle/>
-          <a:p>
-            <a:r>
-              <a:rPr lang="en-US" sz="4000" b="1" dirty="0"/>
-              <a:t>V. STUDY OF MOBILE APPLICATION ARCHITECTURES AND DESIGN PATTERNS</a:t>
-            </a:r>
-          </a:p>
-        </p:txBody>
-      </p:sp>
-      <p:sp>
-        <p:nvSpPr>
-          <p:cNvPr id="3" name="Content Placeholder 2">
-            <a:extLst>
-              <a:ext uri="{FF2B5EF4-FFF2-40B4-BE49-F238E27FC236}">
-                <a16:creationId xmlns:a16="http://schemas.microsoft.com/office/drawing/2014/main" id="{0E6F7B02-6D56-76A7-2332-2000554133C7}"/>
-              </a:ext>
-            </a:extLst>
-          </p:cNvPr>
-          <p:cNvSpPr>
-            <a:spLocks noGrp="1"/>
-          </p:cNvSpPr>
-          <p:nvPr>
-            <p:ph idx="1"/>
-          </p:nvPr>
-        </p:nvSpPr>
-        <p:spPr>
-          <a:xfrm>
-            <a:off x="898344" y="2161592"/>
-            <a:ext cx="9905998" cy="4540150"/>
-          </a:xfrm>
-        </p:spPr>
-        <p:txBody>
-          <a:bodyPr>
-            <a:normAutofit fontScale="85000" lnSpcReduction="20000"/>
-          </a:bodyPr>
-          <a:lstStyle/>
-          <a:p>
-            <a:pPr algn="l">
-              <a:buFont typeface="Arial" panose="020B0604020202020204" pitchFamily="34" charset="0"/>
-              <a:buChar char="•"/>
-            </a:pPr>
-            <a:r>
-              <a:rPr lang="en-US" sz="3000" b="1" i="0" dirty="0">
-                <a:solidFill>
-                  <a:schemeClr val="tx1"/>
-                </a:solidFill>
-                <a:effectLst/>
-                <a:latin typeface="Google Sans"/>
-              </a:rPr>
-              <a:t>1) </a:t>
-            </a:r>
-            <a:r>
-              <a:rPr lang="en-US" sz="3300" b="1" i="0" dirty="0">
-                <a:solidFill>
-                  <a:schemeClr val="tx1"/>
-                </a:solidFill>
-                <a:effectLst/>
-                <a:latin typeface="Google Sans"/>
-              </a:rPr>
-              <a:t>Model-View-Controller (MVC): </a:t>
-            </a:r>
-            <a:r>
-              <a:rPr lang="en-US" sz="3000" b="0" i="0" dirty="0">
-                <a:solidFill>
-                  <a:schemeClr val="tx1"/>
-                </a:solidFill>
-                <a:effectLst/>
-                <a:latin typeface="Google Sans"/>
-              </a:rPr>
-              <a:t>This is a widely used architecture that separates the application into three distinct layers:</a:t>
-            </a:r>
-          </a:p>
-          <a:p>
-            <a:pPr marL="742950" lvl="1" indent="-285750" algn="l">
-              <a:buFont typeface="Arial" panose="020B0604020202020204" pitchFamily="34" charset="0"/>
-              <a:buChar char="•"/>
-            </a:pPr>
-            <a:r>
-              <a:rPr lang="en-US" sz="2600" b="0" i="0" dirty="0">
-                <a:solidFill>
-                  <a:schemeClr val="tx1"/>
-                </a:solidFill>
-                <a:effectLst/>
-                <a:latin typeface="Google Sans"/>
-              </a:rPr>
-              <a:t>Model: Handles data and business logic.</a:t>
-            </a:r>
-          </a:p>
-          <a:p>
-            <a:pPr marL="742950" lvl="1" indent="-285750" algn="l">
-              <a:buFont typeface="Arial" panose="020B0604020202020204" pitchFamily="34" charset="0"/>
-              <a:buChar char="•"/>
-            </a:pPr>
-            <a:r>
-              <a:rPr lang="en-US" sz="2600" b="0" i="0" dirty="0">
-                <a:solidFill>
-                  <a:schemeClr val="tx1"/>
-                </a:solidFill>
-                <a:effectLst/>
-                <a:latin typeface="Google Sans"/>
-              </a:rPr>
-              <a:t>View: Represents the user interface.</a:t>
-            </a:r>
-          </a:p>
-          <a:p>
-            <a:pPr marL="742950" lvl="1" indent="-285750" algn="l">
-              <a:buFont typeface="Arial" panose="020B0604020202020204" pitchFamily="34" charset="0"/>
-              <a:buChar char="•"/>
-            </a:pPr>
-            <a:r>
-              <a:rPr lang="en-US" sz="2600" b="0" i="0" dirty="0">
-                <a:solidFill>
-                  <a:schemeClr val="tx1"/>
-                </a:solidFill>
-                <a:effectLst/>
-                <a:latin typeface="Google Sans"/>
-              </a:rPr>
-              <a:t>Controller: Processes user interactions and updates the model and view accordingly.</a:t>
-            </a:r>
-          </a:p>
-          <a:p>
-            <a:pPr marL="742950" lvl="1" indent="-285750" algn="l">
-              <a:buFont typeface="Arial" panose="020B0604020202020204" pitchFamily="34" charset="0"/>
-              <a:buChar char="•"/>
-            </a:pPr>
-            <a:endParaRPr lang="en-US" sz="2600" b="0" i="0" dirty="0">
-              <a:solidFill>
-                <a:schemeClr val="tx1"/>
-              </a:solidFill>
-              <a:effectLst/>
-              <a:latin typeface="Google Sans"/>
-            </a:endParaRPr>
-          </a:p>
-          <a:p>
-            <a:pPr algn="l">
-              <a:buFont typeface="Arial" panose="020B0604020202020204" pitchFamily="34" charset="0"/>
-              <a:buChar char="•"/>
-            </a:pPr>
-            <a:r>
-              <a:rPr lang="en-US" sz="3000" b="1" i="0" dirty="0">
-                <a:solidFill>
-                  <a:schemeClr val="tx1"/>
-                </a:solidFill>
-                <a:effectLst/>
-                <a:latin typeface="Google Sans"/>
-              </a:rPr>
-              <a:t>Benefits of MVC:</a:t>
-            </a:r>
-          </a:p>
-          <a:p>
-            <a:pPr marL="742950" lvl="1" indent="-285750" algn="l">
-              <a:buFont typeface="Arial" panose="020B0604020202020204" pitchFamily="34" charset="0"/>
-              <a:buChar char="•"/>
-            </a:pPr>
-            <a:r>
-              <a:rPr lang="en-US" sz="2600" b="0" i="0" dirty="0">
-                <a:solidFill>
-                  <a:schemeClr val="tx1"/>
-                </a:solidFill>
-                <a:effectLst/>
-                <a:latin typeface="Google Sans"/>
-              </a:rPr>
-              <a:t>Modular structure for easier development and maintenance.</a:t>
-            </a:r>
-          </a:p>
-          <a:p>
-            <a:pPr marL="742950" lvl="1" indent="-285750" algn="l">
-              <a:buFont typeface="Arial" panose="020B0604020202020204" pitchFamily="34" charset="0"/>
-              <a:buChar char="•"/>
-            </a:pPr>
-            <a:r>
-              <a:rPr lang="en-US" sz="2600" b="0" i="0" dirty="0">
-                <a:solidFill>
-                  <a:schemeClr val="tx1"/>
-                </a:solidFill>
-                <a:effectLst/>
-                <a:latin typeface="Google Sans"/>
-              </a:rPr>
-              <a:t>Improved code reusability.</a:t>
-            </a:r>
-          </a:p>
-          <a:p>
-            <a:pPr marL="742950" lvl="1" indent="-285750" algn="l">
-              <a:buFont typeface="Arial" panose="020B0604020202020204" pitchFamily="34" charset="0"/>
-              <a:buChar char="•"/>
-            </a:pPr>
-            <a:r>
-              <a:rPr lang="en-US" sz="2600" b="0" i="0" dirty="0">
-                <a:solidFill>
-                  <a:schemeClr val="tx1"/>
-                </a:solidFill>
-                <a:effectLst/>
-                <a:latin typeface="Google Sans"/>
-              </a:rPr>
-              <a:t>Clear separation of concerns.</a:t>
-            </a:r>
-          </a:p>
-          <a:p>
-            <a:endParaRPr lang="en-CM" dirty="0"/>
-          </a:p>
-        </p:txBody>
-      </p:sp>
-    </p:spTree>
-    <p:extLst>
-      <p:ext uri="{BB962C8B-B14F-4D97-AF65-F5344CB8AC3E}">
-        <p14:creationId xmlns:p14="http://schemas.microsoft.com/office/powerpoint/2010/main" val="1911318355"/>
-      </p:ext>
-    </p:extLst>
-  </p:cSld>
-  <p:clrMapOvr>
-    <a:masterClrMapping/>
-  </p:clrMapOvr>
-</p:sld>
-</file>
-
-<file path=ppt/slides/slide14.xml><?xml version="1.0" encoding="utf-8"?>
-<p:sld xmlns:a="http://schemas.openxmlformats.org/drawingml/2006/main" xmlns:r="http://schemas.openxmlformats.org/officeDocument/2006/relationships" xmlns:p="http://schemas.openxmlformats.org/presentationml/2006/main">
-  <p:cSld>
-    <p:spTree>
-      <p:nvGrpSpPr>
-        <p:cNvPr id="1" name=""/>
-        <p:cNvGrpSpPr/>
-        <p:nvPr/>
-      </p:nvGrpSpPr>
-      <p:grpSpPr>
-        <a:xfrm>
-          <a:off x="0" y="0"/>
-          <a:ext cx="0" cy="0"/>
-          <a:chOff x="0" y="0"/>
-          <a:chExt cx="0" cy="0"/>
-        </a:xfrm>
-      </p:grpSpPr>
-      <p:sp>
-        <p:nvSpPr>
-          <p:cNvPr id="3" name="Content Placeholder 2">
-            <a:extLst>
-              <a:ext uri="{FF2B5EF4-FFF2-40B4-BE49-F238E27FC236}">
-                <a16:creationId xmlns:a16="http://schemas.microsoft.com/office/drawing/2014/main" id="{7CBB14DD-1BA1-F353-E2B6-BA1EC8A5F85D}"/>
-              </a:ext>
-            </a:extLst>
-          </p:cNvPr>
-          <p:cNvSpPr>
-            <a:spLocks noGrp="1"/>
-          </p:cNvSpPr>
-          <p:nvPr>
-            <p:ph idx="1"/>
-          </p:nvPr>
-        </p:nvSpPr>
-        <p:spPr>
-          <a:xfrm>
-            <a:off x="1141413" y="494522"/>
-            <a:ext cx="10419216" cy="6055568"/>
-          </a:xfrm>
-        </p:spPr>
-        <p:txBody>
-          <a:bodyPr>
-            <a:normAutofit/>
-          </a:bodyPr>
-          <a:lstStyle/>
-          <a:p>
-            <a:pPr algn="l">
-              <a:buFont typeface="Arial" panose="020B0604020202020204" pitchFamily="34" charset="0"/>
-              <a:buChar char="•"/>
-            </a:pPr>
-            <a:r>
-              <a:rPr lang="en-US" sz="3300" b="1" i="0" dirty="0">
-                <a:solidFill>
-                  <a:schemeClr val="tx1"/>
-                </a:solidFill>
-                <a:effectLst/>
-                <a:latin typeface="Google Sans"/>
-              </a:rPr>
-              <a:t>2) Model-View-Presenter (MVP): </a:t>
-            </a:r>
-            <a:r>
-              <a:rPr lang="en-US" sz="3300" b="0" i="0" dirty="0">
-                <a:solidFill>
-                  <a:schemeClr val="tx1"/>
-                </a:solidFill>
-                <a:effectLst/>
-                <a:latin typeface="Google Sans"/>
-              </a:rPr>
-              <a:t>Similar to MVC, but with a more defined separation between the view and presenter. The presenter acts as an intermediary between the view and the model, handling business logic and data formatting for the view.</a:t>
-            </a:r>
-          </a:p>
-          <a:p>
-            <a:pPr algn="l">
-              <a:buFont typeface="Arial" panose="020B0604020202020204" pitchFamily="34" charset="0"/>
-              <a:buChar char="•"/>
-            </a:pPr>
-            <a:endParaRPr lang="en-US" sz="3600" b="0" i="0" dirty="0">
-              <a:solidFill>
-                <a:schemeClr val="tx1"/>
-              </a:solidFill>
-              <a:effectLst/>
-              <a:latin typeface="Google Sans"/>
-            </a:endParaRPr>
-          </a:p>
-          <a:p>
-            <a:pPr algn="l">
-              <a:buFont typeface="Arial" panose="020B0604020202020204" pitchFamily="34" charset="0"/>
-              <a:buChar char="•"/>
-            </a:pPr>
-            <a:r>
-              <a:rPr lang="en-US" sz="3300" b="1" i="0" dirty="0">
-                <a:solidFill>
-                  <a:schemeClr val="tx1"/>
-                </a:solidFill>
-                <a:effectLst/>
-                <a:latin typeface="Google Sans"/>
-              </a:rPr>
-              <a:t>Benefits of MVP:</a:t>
-            </a:r>
-          </a:p>
-          <a:p>
-            <a:pPr marL="742950" lvl="1" indent="-285750" algn="l">
-              <a:buFont typeface="Arial" panose="020B0604020202020204" pitchFamily="34" charset="0"/>
-              <a:buChar char="•"/>
-            </a:pPr>
-            <a:r>
-              <a:rPr lang="en-US" sz="3300" b="0" i="0" dirty="0">
-                <a:solidFill>
-                  <a:schemeClr val="tx1"/>
-                </a:solidFill>
-                <a:effectLst/>
-                <a:latin typeface="Google Sans"/>
-              </a:rPr>
-              <a:t>Improved testability due to a clear separation of concerns.</a:t>
-            </a:r>
-          </a:p>
-          <a:p>
-            <a:pPr marL="742950" lvl="1" indent="-285750" algn="l">
-              <a:buFont typeface="Arial" panose="020B0604020202020204" pitchFamily="34" charset="0"/>
-              <a:buChar char="•"/>
-            </a:pPr>
-            <a:r>
-              <a:rPr lang="en-US" sz="3300" b="0" i="0" dirty="0">
-                <a:solidFill>
-                  <a:schemeClr val="tx1"/>
-                </a:solidFill>
-                <a:effectLst/>
-                <a:latin typeface="Google Sans"/>
-              </a:rPr>
-              <a:t>Easier to maintain the view layer.</a:t>
-            </a:r>
-          </a:p>
-          <a:p>
-            <a:endParaRPr lang="en-CM" dirty="0"/>
-          </a:p>
-        </p:txBody>
-      </p:sp>
-    </p:spTree>
-    <p:extLst>
-      <p:ext uri="{BB962C8B-B14F-4D97-AF65-F5344CB8AC3E}">
-        <p14:creationId xmlns:p14="http://schemas.microsoft.com/office/powerpoint/2010/main" val="2501391597"/>
-      </p:ext>
-    </p:extLst>
-  </p:cSld>
-  <p:clrMapOvr>
-    <a:masterClrMapping/>
-  </p:clrMapOvr>
-</p:sld>
-</file>
-
 <file path=ppt/slides/slide15.xml><?xml version="1.0" encoding="utf-8"?>
 <p:sld xmlns:a="http://schemas.openxmlformats.org/drawingml/2006/main" xmlns:r="http://schemas.openxmlformats.org/officeDocument/2006/relationships" xmlns:p="http://schemas.openxmlformats.org/presentationml/2006/main">
   <p:cSld>
@@ -7449,10 +7158,43 @@
       </p:grpSpPr>
       <p:sp>
         <p:nvSpPr>
+          <p:cNvPr id="2" name="Title 1">
+            <a:extLst>
+              <a:ext uri="{FF2B5EF4-FFF2-40B4-BE49-F238E27FC236}">
+                <a16:creationId xmlns:a16="http://schemas.microsoft.com/office/drawing/2014/main" id="{29BD21F1-9836-19A1-5109-64DE8E37C077}"/>
+              </a:ext>
+            </a:extLst>
+          </p:cNvPr>
+          <p:cNvSpPr>
+            <a:spLocks noGrp="1"/>
+          </p:cNvSpPr>
+          <p:nvPr>
+            <p:ph type="title"/>
+          </p:nvPr>
+        </p:nvSpPr>
+        <p:spPr>
+          <a:xfrm>
+            <a:off x="636608" y="609600"/>
+            <a:ext cx="10880201" cy="1589590"/>
+          </a:xfrm>
+        </p:spPr>
+        <p:txBody>
+          <a:bodyPr/>
+          <a:lstStyle/>
+          <a:p>
+            <a:r>
+              <a:rPr lang="en-US" sz="4000" b="1" dirty="0"/>
+              <a:t>V. STUDY OF MOBILE APPLICATION ARCHITECTURES AND DESIGN PATTERNS</a:t>
+            </a:r>
+          </a:p>
+        </p:txBody>
+      </p:sp>
+      <p:sp>
+        <p:nvSpPr>
           <p:cNvPr id="3" name="Content Placeholder 2">
             <a:extLst>
               <a:ext uri="{FF2B5EF4-FFF2-40B4-BE49-F238E27FC236}">
-                <a16:creationId xmlns:a16="http://schemas.microsoft.com/office/drawing/2014/main" id="{600CC21E-B400-A975-C0E9-7A8E37D31DFA}"/>
+                <a16:creationId xmlns:a16="http://schemas.microsoft.com/office/drawing/2014/main" id="{0E6F7B02-6D56-76A7-2332-2000554133C7}"/>
               </a:ext>
             </a:extLst>
           </p:cNvPr>
@@ -7465,12 +7207,14 @@
         </p:nvSpPr>
         <p:spPr>
           <a:xfrm>
-            <a:off x="717630" y="752354"/>
-            <a:ext cx="10613985" cy="5496045"/>
+            <a:off x="898344" y="2161592"/>
+            <a:ext cx="9905998" cy="4540150"/>
           </a:xfrm>
         </p:spPr>
         <p:txBody>
-          <a:bodyPr/>
+          <a:bodyPr>
+            <a:normAutofit fontScale="85000" lnSpcReduction="20000"/>
+          </a:bodyPr>
           <a:lstStyle/>
           <a:p>
             <a:pPr algn="l">
@@ -7478,92 +7222,90 @@
               <a:buChar char="•"/>
             </a:pPr>
             <a:r>
-              <a:rPr lang="en-US" sz="3200" b="1" i="0" dirty="0">
+              <a:rPr lang="en-US" sz="3000" b="1" i="0" dirty="0">
                 <a:solidFill>
                   <a:schemeClr val="tx1"/>
                 </a:solidFill>
                 <a:effectLst/>
                 <a:latin typeface="Google Sans"/>
               </a:rPr>
-              <a:t>3) Model-View-</a:t>
-            </a:r>
-            <a:r>
-              <a:rPr lang="en-US" sz="3200" b="1" i="0" dirty="0" err="1">
+              <a:t>1) </a:t>
+            </a:r>
+            <a:r>
+              <a:rPr lang="en-US" sz="3300" b="1" i="0" dirty="0">
                 <a:solidFill>
                   <a:schemeClr val="tx1"/>
                 </a:solidFill>
                 <a:effectLst/>
                 <a:latin typeface="Google Sans"/>
               </a:rPr>
-              <a:t>ViewModel</a:t>
-            </a:r>
-            <a:r>
-              <a:rPr lang="en-US" sz="3200" b="1" i="0" dirty="0">
+              <a:t>Model-View-Controller (MVC): </a:t>
+            </a:r>
+            <a:r>
+              <a:rPr lang="en-US" sz="3000" b="0" i="0" dirty="0">
                 <a:solidFill>
                   <a:schemeClr val="tx1"/>
                 </a:solidFill>
                 <a:effectLst/>
                 <a:latin typeface="Google Sans"/>
               </a:rPr>
-              <a:t> (MVVM): </a:t>
-            </a:r>
-            <a:r>
-              <a:rPr lang="en-US" sz="3200" b="0" i="0" dirty="0">
+              <a:t>This is a widely used architecture that separates the application into three distinct layers:</a:t>
+            </a:r>
+          </a:p>
+          <a:p>
+            <a:pPr marL="742950" lvl="1" indent="-285750" algn="l">
+              <a:buFont typeface="Arial" panose="020B0604020202020204" pitchFamily="34" charset="0"/>
+              <a:buChar char="•"/>
+            </a:pPr>
+            <a:r>
+              <a:rPr lang="en-US" sz="2600" b="0" i="0" dirty="0">
                 <a:solidFill>
                   <a:schemeClr val="tx1"/>
                 </a:solidFill>
                 <a:effectLst/>
                 <a:latin typeface="Google Sans"/>
               </a:rPr>
-              <a:t>This architecture introduces a </a:t>
-            </a:r>
-            <a:r>
-              <a:rPr lang="en-US" sz="3200" b="0" i="0" dirty="0" err="1">
+              <a:t>Model: Handles data and business logic.</a:t>
+            </a:r>
+          </a:p>
+          <a:p>
+            <a:pPr marL="742950" lvl="1" indent="-285750" algn="l">
+              <a:buFont typeface="Arial" panose="020B0604020202020204" pitchFamily="34" charset="0"/>
+              <a:buChar char="•"/>
+            </a:pPr>
+            <a:r>
+              <a:rPr lang="en-US" sz="2600" b="0" i="0" dirty="0">
                 <a:solidFill>
                   <a:schemeClr val="tx1"/>
                 </a:solidFill>
                 <a:effectLst/>
                 <a:latin typeface="Google Sans"/>
               </a:rPr>
-              <a:t>ViewModel</a:t>
-            </a:r>
-            <a:r>
-              <a:rPr lang="en-US" sz="3200" b="0" i="0" dirty="0">
+              <a:t>View: Represents the user interface.</a:t>
+            </a:r>
+          </a:p>
+          <a:p>
+            <a:pPr marL="742950" lvl="1" indent="-285750" algn="l">
+              <a:buFont typeface="Arial" panose="020B0604020202020204" pitchFamily="34" charset="0"/>
+              <a:buChar char="•"/>
+            </a:pPr>
+            <a:r>
+              <a:rPr lang="en-US" sz="2600" b="0" i="0" dirty="0">
                 <a:solidFill>
                   <a:schemeClr val="tx1"/>
                 </a:solidFill>
                 <a:effectLst/>
                 <a:latin typeface="Google Sans"/>
               </a:rPr>
-              <a:t> layer that sits between the Model and the View. The </a:t>
-            </a:r>
-            <a:r>
-              <a:rPr lang="en-US" sz="3200" b="0" i="0" dirty="0" err="1">
-                <a:solidFill>
-                  <a:schemeClr val="tx1"/>
-                </a:solidFill>
-                <a:effectLst/>
-                <a:latin typeface="Google Sans"/>
-              </a:rPr>
-              <a:t>ViewModel</a:t>
-            </a:r>
-            <a:r>
-              <a:rPr lang="en-US" sz="3200" b="0" i="0" dirty="0">
-                <a:solidFill>
-                  <a:schemeClr val="tx1"/>
-                </a:solidFill>
-                <a:effectLst/>
-                <a:latin typeface="Google Sans"/>
-              </a:rPr>
-              <a:t> manages the data and presentation logic, simplifying the View and improving testability.</a:t>
-            </a:r>
-          </a:p>
-          <a:p>
-            <a:pPr algn="l">
+              <a:t>Controller: Processes user interactions and updates the model and view accordingly.</a:t>
+            </a:r>
+          </a:p>
+          <a:p>
+            <a:pPr marL="742950" lvl="1" indent="-285750" algn="l">
               <a:buFont typeface="Arial" panose="020B0604020202020204" pitchFamily="34" charset="0"/>
               <a:buChar char="•"/>
             </a:pPr>
-            <a:endParaRPr lang="en-US" sz="3200" b="0" i="0" dirty="0">
+            <a:endParaRPr lang="en-US" sz="2600" b="0" i="0" dirty="0">
               <a:solidFill>
                 <a:schemeClr val="tx1"/>
               </a:solidFill>
@@ -7577,14 +7319,14 @@
               <a:buChar char="•"/>
             </a:pPr>
             <a:r>
-              <a:rPr lang="en-US" sz="3200" b="1" i="0" dirty="0">
+              <a:rPr lang="en-US" sz="3000" b="1" i="0" dirty="0">
                 <a:solidFill>
                   <a:schemeClr val="tx1"/>
                 </a:solidFill>
                 <a:effectLst/>
                 <a:latin typeface="Google Sans"/>
               </a:rPr>
-              <a:t>Benefits of MVVM:</a:t>
+              <a:t>Benefits of MVC:</a:t>
             </a:r>
           </a:p>
           <a:p>
@@ -7593,14 +7335,14 @@
               <a:buChar char="•"/>
             </a:pPr>
             <a:r>
-              <a:rPr lang="en-US" sz="2800" b="0" i="0" dirty="0">
+              <a:rPr lang="en-US" sz="2600" b="0" i="0" dirty="0">
                 <a:solidFill>
                   <a:schemeClr val="tx1"/>
                 </a:solidFill>
                 <a:effectLst/>
                 <a:latin typeface="Google Sans"/>
               </a:rPr>
-              <a:t>Enhanced separation of concerns compared to MVP.</a:t>
+              <a:t>Modular structure for easier development and maintenance.</a:t>
             </a:r>
           </a:p>
           <a:p>
@@ -7609,14 +7351,30 @@
               <a:buChar char="•"/>
             </a:pPr>
             <a:r>
-              <a:rPr lang="en-US" sz="2800" b="0" i="0" dirty="0">
+              <a:rPr lang="en-US" sz="2600" b="0" i="0" dirty="0">
                 <a:solidFill>
                   <a:schemeClr val="tx1"/>
                 </a:solidFill>
                 <a:effectLst/>
                 <a:latin typeface="Google Sans"/>
               </a:rPr>
-              <a:t>Improved data binding and testability.</a:t>
+              <a:t>Improved code reusability.</a:t>
+            </a:r>
+          </a:p>
+          <a:p>
+            <a:pPr marL="742950" lvl="1" indent="-285750" algn="l">
+              <a:buFont typeface="Arial" panose="020B0604020202020204" pitchFamily="34" charset="0"/>
+              <a:buChar char="•"/>
+            </a:pPr>
+            <a:r>
+              <a:rPr lang="en-US" sz="2600" b="0" i="0" dirty="0">
+                <a:solidFill>
+                  <a:schemeClr val="tx1"/>
+                </a:solidFill>
+                <a:effectLst/>
+                <a:latin typeface="Google Sans"/>
+              </a:rPr>
+              <a:t>Clear separation of concerns.</a:t>
             </a:r>
           </a:p>
           <a:p>
@@ -7627,7 +7385,7 @@
     </p:spTree>
     <p:extLst>
       <p:ext uri="{BB962C8B-B14F-4D97-AF65-F5344CB8AC3E}">
-        <p14:creationId xmlns:p14="http://schemas.microsoft.com/office/powerpoint/2010/main" val="2211628382"/>
+        <p14:creationId xmlns:p14="http://schemas.microsoft.com/office/powerpoint/2010/main" val="1911318355"/>
       </p:ext>
     </p:extLst>
   </p:cSld>
@@ -7656,10 +7414,10 @@
       </p:grpSpPr>
       <p:sp>
         <p:nvSpPr>
-          <p:cNvPr id="2" name="Title 1">
+          <p:cNvPr id="3" name="Content Placeholder 2">
             <a:extLst>
               <a:ext uri="{FF2B5EF4-FFF2-40B4-BE49-F238E27FC236}">
-                <a16:creationId xmlns:a16="http://schemas.microsoft.com/office/drawing/2014/main" id="{FB981A39-6DD0-7168-C426-EEF11E4C5B0A}"/>
+                <a16:creationId xmlns:a16="http://schemas.microsoft.com/office/drawing/2014/main" id="{7CBB14DD-1BA1-F353-E2B6-BA1EC8A5F85D}"/>
               </a:ext>
             </a:extLst>
           </p:cNvPr>
@@ -7667,72 +7425,52 @@
             <a:spLocks noGrp="1"/>
           </p:cNvSpPr>
           <p:nvPr>
-            <p:ph type="title"/>
+            <p:ph idx="1"/>
           </p:nvPr>
         </p:nvSpPr>
         <p:spPr>
           <a:xfrm>
-            <a:off x="646111" y="452718"/>
-            <a:ext cx="9404723" cy="820497"/>
+            <a:off x="1141413" y="494522"/>
+            <a:ext cx="10419216" cy="6055568"/>
           </a:xfrm>
         </p:spPr>
         <p:txBody>
-          <a:bodyPr/>
-          <a:lstStyle/>
-          <a:p>
-            <a:r>
-              <a:rPr lang="en-US" sz="4000" b="1" dirty="0"/>
-              <a:t>Design Patterns</a:t>
-            </a:r>
-            <a:endParaRPr lang="en-CM" sz="4000" b="1" dirty="0"/>
-          </a:p>
-        </p:txBody>
-      </p:sp>
-      <p:sp>
-        <p:nvSpPr>
-          <p:cNvPr id="3" name="Content Placeholder 2">
-            <a:extLst>
-              <a:ext uri="{FF2B5EF4-FFF2-40B4-BE49-F238E27FC236}">
-                <a16:creationId xmlns:a16="http://schemas.microsoft.com/office/drawing/2014/main" id="{FBEEA69F-F40F-E802-FF55-DC87262B8F1E}"/>
-              </a:ext>
-            </a:extLst>
-          </p:cNvPr>
-          <p:cNvSpPr>
-            <a:spLocks noGrp="1"/>
-          </p:cNvSpPr>
-          <p:nvPr>
-            <p:ph idx="1"/>
-          </p:nvPr>
-        </p:nvSpPr>
-        <p:spPr>
-          <a:xfrm>
-            <a:off x="572246" y="1273215"/>
-            <a:ext cx="11044366" cy="5370653"/>
-          </a:xfrm>
-        </p:spPr>
-        <p:txBody>
           <a:bodyPr>
-            <a:normAutofit fontScale="47500" lnSpcReduction="20000"/>
+            <a:normAutofit/>
           </a:bodyPr>
           <a:lstStyle/>
           <a:p>
-            <a:pPr algn="l"/>
-            <a:r>
-              <a:rPr lang="en-US" sz="4200" b="1" i="0" dirty="0">
+            <a:pPr algn="l">
+              <a:buFont typeface="Arial" panose="020B0604020202020204" pitchFamily="34" charset="0"/>
+              <a:buChar char="•"/>
+            </a:pPr>
+            <a:r>
+              <a:rPr lang="en-US" sz="3300" b="1" i="0" dirty="0">
                 <a:solidFill>
                   <a:schemeClr val="tx1"/>
                 </a:solidFill>
                 <a:effectLst/>
                 <a:latin typeface="Google Sans"/>
               </a:rPr>
-              <a:t>Design patterns are reusable solutions to common software development problems. They provide a proven approach to implementing functionalities within your mobile app. Here are some commonly used design patterns in mobile app development:</a:t>
-            </a:r>
-          </a:p>
-          <a:p>
-            <a:pPr marL="0" indent="0" algn="l">
-              <a:buNone/>
+              <a:t>2) Model-View-Presenter (MVP): </a:t>
+            </a:r>
+            <a:r>
+              <a:rPr lang="en-US" sz="3300" b="0" i="0" dirty="0">
+                <a:solidFill>
+                  <a:schemeClr val="tx1"/>
+                </a:solidFill>
+                <a:effectLst/>
+                <a:latin typeface="Google Sans"/>
+              </a:rPr>
+              <a:t>Similar to MVC, but with a more defined separation between the view and presenter. The presenter acts as an intermediary between the view and the model, handling business logic and data formatting for the view.</a:t>
+            </a:r>
+          </a:p>
+          <a:p>
+            <a:pPr algn="l">
+              <a:buFont typeface="Arial" panose="020B0604020202020204" pitchFamily="34" charset="0"/>
+              <a:buChar char="•"/>
             </a:pPr>
-            <a:endParaRPr lang="en-US" sz="4200" b="1" i="0" dirty="0">
+            <a:endParaRPr lang="en-US" sz="3600" b="0" i="0" dirty="0">
               <a:solidFill>
                 <a:schemeClr val="tx1"/>
               </a:solidFill>
@@ -7746,108 +7484,49 @@
               <a:buChar char="•"/>
             </a:pPr>
             <a:r>
-              <a:rPr lang="en-US" sz="4200" b="1" i="0" dirty="0">
+              <a:rPr lang="en-US" sz="3300" b="1" i="0" dirty="0">
                 <a:solidFill>
                   <a:schemeClr val="tx1"/>
                 </a:solidFill>
                 <a:effectLst/>
                 <a:latin typeface="Google Sans"/>
               </a:rPr>
-              <a:t>Singleton Pattern</a:t>
-            </a:r>
-          </a:p>
-          <a:p>
-            <a:pPr algn="l">
+              <a:t>Benefits of MVP:</a:t>
+            </a:r>
+          </a:p>
+          <a:p>
+            <a:pPr marL="742950" lvl="1" indent="-285750" algn="l">
               <a:buFont typeface="Arial" panose="020B0604020202020204" pitchFamily="34" charset="0"/>
               <a:buChar char="•"/>
             </a:pPr>
-            <a:endParaRPr lang="en-US" sz="4200" b="1" dirty="0">
-              <a:latin typeface="Google Sans"/>
-            </a:endParaRPr>
-          </a:p>
-          <a:p>
-            <a:pPr algn="l">
+            <a:r>
+              <a:rPr lang="en-US" sz="3300" b="0" i="0" dirty="0">
+                <a:solidFill>
+                  <a:schemeClr val="tx1"/>
+                </a:solidFill>
+                <a:effectLst/>
+                <a:latin typeface="Google Sans"/>
+              </a:rPr>
+              <a:t>Improved testability due to a clear separation of concerns.</a:t>
+            </a:r>
+          </a:p>
+          <a:p>
+            <a:pPr marL="742950" lvl="1" indent="-285750" algn="l">
               <a:buFont typeface="Arial" panose="020B0604020202020204" pitchFamily="34" charset="0"/>
               <a:buChar char="•"/>
             </a:pPr>
             <a:r>
-              <a:rPr lang="en-US" sz="4200" b="1" dirty="0"/>
-              <a:t>Observer Pattern</a:t>
-            </a:r>
-          </a:p>
-          <a:p>
-            <a:pPr algn="l">
-              <a:buFont typeface="Arial" panose="020B0604020202020204" pitchFamily="34" charset="0"/>
-              <a:buChar char="•"/>
-            </a:pPr>
-            <a:endParaRPr lang="en-US" sz="4200" b="1" dirty="0"/>
-          </a:p>
-          <a:p>
-            <a:pPr algn="l">
-              <a:buFont typeface="Arial" panose="020B0604020202020204" pitchFamily="34" charset="0"/>
-              <a:buChar char="•"/>
-            </a:pPr>
-            <a:r>
-              <a:rPr lang="en-US" sz="4200" b="1" dirty="0"/>
-              <a:t>Factory Pattern</a:t>
-            </a:r>
-          </a:p>
-          <a:p>
-            <a:pPr algn="l">
-              <a:buFont typeface="Arial" panose="020B0604020202020204" pitchFamily="34" charset="0"/>
-              <a:buChar char="•"/>
-            </a:pPr>
-            <a:endParaRPr lang="en-US" sz="4200" b="1" dirty="0"/>
-          </a:p>
-          <a:p>
-            <a:pPr algn="l">
-              <a:buFont typeface="Arial" panose="020B0604020202020204" pitchFamily="34" charset="0"/>
-              <a:buChar char="•"/>
-            </a:pPr>
-            <a:r>
-              <a:rPr lang="en-US" sz="4200" b="1" dirty="0"/>
-              <a:t>Adapter Pattern</a:t>
-            </a:r>
-          </a:p>
-          <a:p>
-            <a:pPr algn="l">
-              <a:buFont typeface="Arial" panose="020B0604020202020204" pitchFamily="34" charset="0"/>
-              <a:buChar char="•"/>
-            </a:pPr>
-            <a:endParaRPr lang="en-US" sz="4200" b="1" dirty="0"/>
-          </a:p>
-          <a:p>
-            <a:pPr algn="l">
-              <a:buFont typeface="Arial" panose="020B0604020202020204" pitchFamily="34" charset="0"/>
-              <a:buChar char="•"/>
-            </a:pPr>
-            <a:r>
-              <a:rPr lang="en-US" sz="4200" b="1" dirty="0"/>
-              <a:t>Decorator Pattern</a:t>
-            </a:r>
-          </a:p>
-          <a:p>
-            <a:pPr algn="l">
-              <a:buFont typeface="Arial" panose="020B0604020202020204" pitchFamily="34" charset="0"/>
-              <a:buChar char="•"/>
-            </a:pPr>
-            <a:endParaRPr lang="en-US" sz="4200" b="1" dirty="0"/>
-          </a:p>
-          <a:p>
-            <a:pPr algn="l">
-              <a:buFont typeface="Arial" panose="020B0604020202020204" pitchFamily="34" charset="0"/>
-              <a:buChar char="•"/>
-            </a:pPr>
-            <a:r>
-              <a:rPr lang="en-US" sz="4200" b="1" dirty="0"/>
-              <a:t>Strategy Pattern</a:t>
-            </a:r>
-          </a:p>
-          <a:p>
-            <a:pPr algn="l">
-              <a:buFont typeface="Arial" panose="020B0604020202020204" pitchFamily="34" charset="0"/>
-              <a:buChar char="•"/>
-            </a:pPr>
+              <a:rPr lang="en-US" sz="3300" b="0" i="0" dirty="0">
+                <a:solidFill>
+                  <a:schemeClr val="tx1"/>
+                </a:solidFill>
+                <a:effectLst/>
+                <a:latin typeface="Google Sans"/>
+              </a:rPr>
+              <a:t>Easier to maintain the view layer.</a:t>
+            </a:r>
+          </a:p>
+          <a:p>
             <a:endParaRPr lang="en-CM" dirty="0"/>
           </a:p>
         </p:txBody>
@@ -7855,7 +7534,7 @@
     </p:spTree>
     <p:extLst>
       <p:ext uri="{BB962C8B-B14F-4D97-AF65-F5344CB8AC3E}">
-        <p14:creationId xmlns:p14="http://schemas.microsoft.com/office/powerpoint/2010/main" val="179640952"/>
+        <p14:creationId xmlns:p14="http://schemas.microsoft.com/office/powerpoint/2010/main" val="2501391597"/>
       </p:ext>
     </p:extLst>
   </p:cSld>
@@ -7884,10 +7563,10 @@
       </p:grpSpPr>
       <p:sp>
         <p:nvSpPr>
-          <p:cNvPr id="2" name="Title 1">
+          <p:cNvPr id="3" name="Content Placeholder 2">
             <a:extLst>
               <a:ext uri="{FF2B5EF4-FFF2-40B4-BE49-F238E27FC236}">
-                <a16:creationId xmlns:a16="http://schemas.microsoft.com/office/drawing/2014/main" id="{B21137B8-D0A8-362B-23C3-38CB47CE1F11}"/>
+                <a16:creationId xmlns:a16="http://schemas.microsoft.com/office/drawing/2014/main" id="{600CC21E-B400-A975-C0E9-7A8E37D31DFA}"/>
               </a:ext>
             </a:extLst>
           </p:cNvPr>
@@ -7895,74 +7574,110 @@
             <a:spLocks noGrp="1"/>
           </p:cNvSpPr>
           <p:nvPr>
-            <p:ph type="title"/>
+            <p:ph idx="1"/>
           </p:nvPr>
         </p:nvSpPr>
         <p:spPr>
           <a:xfrm>
-            <a:off x="669261" y="302247"/>
-            <a:ext cx="10662355" cy="1804345"/>
+            <a:off x="717630" y="752354"/>
+            <a:ext cx="10613985" cy="5496045"/>
           </a:xfrm>
         </p:spPr>
         <p:txBody>
           <a:bodyPr/>
           <a:lstStyle/>
           <a:p>
-            <a:r>
-              <a:rPr lang="en-US" sz="3200" b="1" dirty="0"/>
-              <a:t>VI. COLLECTING AND ANALYSING USER REQUIREMENTS FOR A MOBILE APPLICATION (REQUIREMENT ENGINEERING</a:t>
-            </a:r>
-            <a:endParaRPr lang="en-CM" sz="3200" b="1" dirty="0">
-              <a:solidFill>
-                <a:schemeClr val="tx1"/>
-              </a:solidFill>
-            </a:endParaRPr>
-          </a:p>
-        </p:txBody>
-      </p:sp>
-      <p:sp>
-        <p:nvSpPr>
-          <p:cNvPr id="3" name="Content Placeholder 2">
-            <a:extLst>
-              <a:ext uri="{FF2B5EF4-FFF2-40B4-BE49-F238E27FC236}">
-                <a16:creationId xmlns:a16="http://schemas.microsoft.com/office/drawing/2014/main" id="{7F4439EB-5DA6-8E05-E1FD-52A567593977}"/>
-              </a:ext>
-            </a:extLst>
-          </p:cNvPr>
-          <p:cNvSpPr>
-            <a:spLocks noGrp="1"/>
-          </p:cNvSpPr>
-          <p:nvPr>
-            <p:ph idx="1"/>
-          </p:nvPr>
-        </p:nvSpPr>
-        <p:spPr>
-          <a:xfrm>
-            <a:off x="356502" y="2280213"/>
-            <a:ext cx="11478995" cy="4751408"/>
-          </a:xfrm>
-        </p:spPr>
-        <p:txBody>
-          <a:bodyPr>
-            <a:normAutofit fontScale="25000" lnSpcReduction="20000"/>
-          </a:bodyPr>
-          <a:lstStyle/>
-          <a:p>
-            <a:pPr algn="l"/>
-            <a:r>
-              <a:rPr lang="en-US" sz="9600" b="0" i="0" dirty="0">
+            <a:pPr algn="l">
+              <a:buFont typeface="Arial" panose="020B0604020202020204" pitchFamily="34" charset="0"/>
+              <a:buChar char="•"/>
+            </a:pPr>
+            <a:r>
+              <a:rPr lang="en-US" sz="3200" b="1" i="0" dirty="0">
                 <a:solidFill>
                   <a:schemeClr val="tx1"/>
                 </a:solidFill>
                 <a:effectLst/>
                 <a:latin typeface="Google Sans"/>
               </a:rPr>
-              <a:t>Understanding user needs is paramount to the success of any mobile application. By collecting and analyzing user requirements, we ensure that the app is designed to address their problems and provide a valuable user experience. Here, we will explore various techniques for gathering and analyzing user requirements.</a:t>
-            </a:r>
-          </a:p>
-          <a:p>
-            <a:pPr algn="l"/>
-            <a:endParaRPr lang="en-US" sz="9600" b="0" i="0" dirty="0">
+              <a:t>3) Model-View-</a:t>
+            </a:r>
+            <a:r>
+              <a:rPr lang="en-US" sz="3200" b="1" i="0" dirty="0" err="1">
+                <a:solidFill>
+                  <a:schemeClr val="tx1"/>
+                </a:solidFill>
+                <a:effectLst/>
+                <a:latin typeface="Google Sans"/>
+              </a:rPr>
+              <a:t>ViewModel</a:t>
+            </a:r>
+            <a:r>
+              <a:rPr lang="en-US" sz="3200" b="1" i="0" dirty="0">
+                <a:solidFill>
+                  <a:schemeClr val="tx1"/>
+                </a:solidFill>
+                <a:effectLst/>
+                <a:latin typeface="Google Sans"/>
+              </a:rPr>
+              <a:t> (MVVM): </a:t>
+            </a:r>
+            <a:r>
+              <a:rPr lang="en-US" sz="3200" b="0" i="0" dirty="0">
+                <a:solidFill>
+                  <a:schemeClr val="tx1"/>
+                </a:solidFill>
+                <a:effectLst/>
+                <a:latin typeface="Google Sans"/>
+              </a:rPr>
+              <a:t>This architecture introduces a </a:t>
+            </a:r>
+            <a:r>
+              <a:rPr lang="en-US" sz="3200" b="0" i="0" dirty="0" err="1">
+                <a:solidFill>
+                  <a:schemeClr val="tx1"/>
+                </a:solidFill>
+                <a:effectLst/>
+                <a:latin typeface="Google Sans"/>
+              </a:rPr>
+              <a:t>ViewModel</a:t>
+            </a:r>
+            <a:r>
+              <a:rPr lang="en-US" sz="3200" b="0" i="0" dirty="0">
+                <a:solidFill>
+                  <a:schemeClr val="tx1"/>
+                </a:solidFill>
+                <a:effectLst/>
+                <a:latin typeface="Google Sans"/>
+              </a:rPr>
+              <a:t> layer that sits between the Model and the View. The </a:t>
+            </a:r>
+            <a:r>
+              <a:rPr lang="en-US" sz="3200" b="0" i="0" dirty="0" err="1">
+                <a:solidFill>
+                  <a:schemeClr val="tx1"/>
+                </a:solidFill>
+                <a:effectLst/>
+                <a:latin typeface="Google Sans"/>
+              </a:rPr>
+              <a:t>ViewModel</a:t>
+            </a:r>
+            <a:r>
+              <a:rPr lang="en-US" sz="3200" b="0" i="0" dirty="0">
+                <a:solidFill>
+                  <a:schemeClr val="tx1"/>
+                </a:solidFill>
+                <a:effectLst/>
+                <a:latin typeface="Google Sans"/>
+              </a:rPr>
+              <a:t> manages the data and presentation logic, simplifying the View and improving testability.</a:t>
+            </a:r>
+          </a:p>
+          <a:p>
+            <a:pPr algn="l">
+              <a:buFont typeface="Arial" panose="020B0604020202020204" pitchFamily="34" charset="0"/>
+              <a:buChar char="•"/>
+            </a:pPr>
+            <a:endParaRPr lang="en-US" sz="3200" b="0" i="0" dirty="0">
               <a:solidFill>
                 <a:schemeClr val="tx1"/>
               </a:solidFill>
@@ -7976,24 +7691,14 @@
               <a:buChar char="•"/>
             </a:pPr>
             <a:r>
-              <a:rPr lang="en-US" sz="9600" b="0" i="0" dirty="0">
+              <a:rPr lang="en-US" sz="3200" b="1" i="0" dirty="0">
                 <a:solidFill>
                   <a:schemeClr val="tx1"/>
                 </a:solidFill>
                 <a:effectLst/>
                 <a:latin typeface="Google Sans"/>
               </a:rPr>
-              <a:t>1) </a:t>
-            </a:r>
-            <a:r>
-              <a:rPr lang="en-US" sz="9600" b="1" i="0" dirty="0">
-                <a:solidFill>
-                  <a:schemeClr val="tx1"/>
-                </a:solidFill>
-                <a:effectLst/>
-                <a:latin typeface="Google Sans"/>
-              </a:rPr>
-              <a:t>User Requirement Collection Techniques:</a:t>
+              <a:t>Benefits of MVVM:</a:t>
             </a:r>
           </a:p>
           <a:p>
@@ -8002,14 +7707,14 @@
               <a:buChar char="•"/>
             </a:pPr>
             <a:r>
-              <a:rPr lang="en-US" sz="9600" b="0" i="0" dirty="0">
+              <a:rPr lang="en-US" sz="2800" b="0" i="0" dirty="0">
                 <a:solidFill>
                   <a:schemeClr val="tx1"/>
                 </a:solidFill>
                 <a:effectLst/>
                 <a:latin typeface="Google Sans"/>
               </a:rPr>
-              <a:t>Stakeholder Interviews: Conducting structured interviews with key stakeholders like clients, users, and domain experts to gather insights into their needs, preferences, and expectations.</a:t>
+              <a:t>Enhanced separation of concerns compared to MVP.</a:t>
             </a:r>
           </a:p>
           <a:p>
@@ -8018,14 +7723,14 @@
               <a:buChar char="•"/>
             </a:pPr>
             <a:r>
-              <a:rPr lang="en-US" sz="9600" b="0" i="0" dirty="0">
+              <a:rPr lang="en-US" sz="2800" b="0" i="0" dirty="0">
                 <a:solidFill>
                   <a:schemeClr val="tx1"/>
                 </a:solidFill>
                 <a:effectLst/>
                 <a:latin typeface="Google Sans"/>
               </a:rPr>
-              <a:t>Surveys and Questionnaires: Distributing surveys to a targeted audience to collect quantitative data on user demographics, pain points, and feature preferences.</a:t>
+              <a:t>Improved data binding and testability.</a:t>
             </a:r>
           </a:p>
           <a:p>
@@ -8036,7 +7741,7 @@
     </p:spTree>
     <p:extLst>
       <p:ext uri="{BB962C8B-B14F-4D97-AF65-F5344CB8AC3E}">
-        <p14:creationId xmlns:p14="http://schemas.microsoft.com/office/powerpoint/2010/main" val="1878707682"/>
+        <p14:creationId xmlns:p14="http://schemas.microsoft.com/office/powerpoint/2010/main" val="2211628382"/>
       </p:ext>
     </p:extLst>
   </p:cSld>
@@ -8065,10 +7770,44 @@
       </p:grpSpPr>
       <p:sp>
         <p:nvSpPr>
+          <p:cNvPr id="2" name="Title 1">
+            <a:extLst>
+              <a:ext uri="{FF2B5EF4-FFF2-40B4-BE49-F238E27FC236}">
+                <a16:creationId xmlns:a16="http://schemas.microsoft.com/office/drawing/2014/main" id="{FB981A39-6DD0-7168-C426-EEF11E4C5B0A}"/>
+              </a:ext>
+            </a:extLst>
+          </p:cNvPr>
+          <p:cNvSpPr>
+            <a:spLocks noGrp="1"/>
+          </p:cNvSpPr>
+          <p:nvPr>
+            <p:ph type="title"/>
+          </p:nvPr>
+        </p:nvSpPr>
+        <p:spPr>
+          <a:xfrm>
+            <a:off x="646111" y="452718"/>
+            <a:ext cx="9404723" cy="820497"/>
+          </a:xfrm>
+        </p:spPr>
+        <p:txBody>
+          <a:bodyPr/>
+          <a:lstStyle/>
+          <a:p>
+            <a:r>
+              <a:rPr lang="en-US" sz="4000" b="1" dirty="0"/>
+              <a:t>Design Patterns</a:t>
+            </a:r>
+            <a:endParaRPr lang="en-CM" sz="4000" b="1" dirty="0"/>
+          </a:p>
+        </p:txBody>
+      </p:sp>
+      <p:sp>
+        <p:nvSpPr>
           <p:cNvPr id="3" name="Content Placeholder 2">
             <a:extLst>
               <a:ext uri="{FF2B5EF4-FFF2-40B4-BE49-F238E27FC236}">
-                <a16:creationId xmlns:a16="http://schemas.microsoft.com/office/drawing/2014/main" id="{6625E9D6-7B48-4F4E-E9F1-C1F1D0437527}"/>
+                <a16:creationId xmlns:a16="http://schemas.microsoft.com/office/drawing/2014/main" id="{FBEEA69F-F40F-E802-FF55-DC87262B8F1E}"/>
               </a:ext>
             </a:extLst>
           </p:cNvPr>
@@ -8081,106 +7820,156 @@
         </p:nvSpPr>
         <p:spPr>
           <a:xfrm>
-            <a:off x="474562" y="729206"/>
-            <a:ext cx="10764456" cy="5519194"/>
+            <a:off x="572246" y="1273215"/>
+            <a:ext cx="11044366" cy="5370653"/>
           </a:xfrm>
         </p:spPr>
         <p:txBody>
           <a:bodyPr>
-            <a:normAutofit fontScale="92500" lnSpcReduction="10000"/>
+            <a:normAutofit fontScale="47500" lnSpcReduction="20000"/>
           </a:bodyPr>
           <a:lstStyle/>
           <a:p>
-            <a:r>
-              <a:rPr lang="en-US" sz="2800" dirty="0"/>
-              <a:t>2) </a:t>
-            </a:r>
-            <a:r>
-              <a:rPr lang="en-US" sz="3200" b="1" dirty="0"/>
-              <a:t>User Requirement Analysis</a:t>
-            </a:r>
-          </a:p>
-          <a:p>
-            <a:endParaRPr lang="en-US" sz="3200" dirty="0"/>
-          </a:p>
-          <a:p>
-            <a:r>
-              <a:rPr lang="en-US" dirty="0"/>
-              <a:t> </a:t>
-            </a:r>
-            <a:r>
-              <a:rPr lang="en-US" sz="2400" b="1" dirty="0"/>
-              <a:t>Prioritization of Requirements: </a:t>
-            </a:r>
-          </a:p>
-          <a:p>
-            <a:r>
-              <a:rPr lang="en-US" sz="2400" dirty="0"/>
-              <a:t>-</a:t>
-            </a:r>
-            <a:r>
-              <a:rPr lang="en-US" sz="2400" b="1" dirty="0"/>
-              <a:t> Description</a:t>
-            </a:r>
-            <a:r>
-              <a:rPr lang="en-US" sz="2400" dirty="0"/>
-              <a:t>: Rank requirements based on their importance and impact on the overall success of the app. </a:t>
-            </a:r>
-          </a:p>
-          <a:p>
-            <a:r>
-              <a:rPr lang="en-US" sz="2400" b="1" dirty="0"/>
-              <a:t>- Approach</a:t>
-            </a:r>
-            <a:r>
-              <a:rPr lang="en-US" sz="2400" dirty="0"/>
-              <a:t>: Use techniques like </a:t>
-            </a:r>
-            <a:r>
-              <a:rPr lang="en-US" sz="2400" dirty="0" err="1"/>
-              <a:t>MoSCoW</a:t>
-            </a:r>
-            <a:r>
-              <a:rPr lang="en-US" sz="2400" dirty="0"/>
-              <a:t> (Must have, should have, could have, Won’t have) to prioritize features. </a:t>
-            </a:r>
-          </a:p>
-          <a:p>
-            <a:endParaRPr lang="en-US" sz="2400" dirty="0"/>
-          </a:p>
-          <a:p>
-            <a:r>
-              <a:rPr lang="en-US" sz="2400" b="1" dirty="0"/>
-              <a:t> Requirement Documentation: </a:t>
-            </a:r>
-          </a:p>
-          <a:p>
-            <a:r>
-              <a:rPr lang="en-US" sz="2400" b="1" dirty="0"/>
-              <a:t>- Description: </a:t>
-            </a:r>
-            <a:r>
-              <a:rPr lang="en-US" sz="2400" dirty="0"/>
-              <a:t>Document user requirements in a clear, structured manner to serve as a reference during the development process. </a:t>
-            </a:r>
-          </a:p>
-          <a:p>
-            <a:r>
-              <a:rPr lang="en-US" sz="2400" b="1" dirty="0"/>
-              <a:t>- Approach: </a:t>
-            </a:r>
-            <a:r>
-              <a:rPr lang="en-US" sz="2400" dirty="0"/>
-              <a:t>Create user stories, use cases, and requirements specifications detailing functional and non-functional requirements. </a:t>
-            </a:r>
-            <a:endParaRPr lang="en-CM" sz="2400" dirty="0"/>
+            <a:pPr algn="l"/>
+            <a:r>
+              <a:rPr lang="en-US" sz="4200" b="1" i="0" dirty="0">
+                <a:solidFill>
+                  <a:schemeClr val="tx1"/>
+                </a:solidFill>
+                <a:effectLst/>
+                <a:latin typeface="Google Sans"/>
+              </a:rPr>
+              <a:t>Design patterns are reusable solutions to common software development problems. They provide a proven approach to implementing functionalities within your mobile app. Here are some commonly used design patterns in mobile app development:</a:t>
+            </a:r>
+          </a:p>
+          <a:p>
+            <a:pPr marL="0" indent="0" algn="l">
+              <a:buNone/>
+            </a:pPr>
+            <a:endParaRPr lang="en-US" sz="4200" b="1" i="0" dirty="0">
+              <a:solidFill>
+                <a:schemeClr val="tx1"/>
+              </a:solidFill>
+              <a:effectLst/>
+              <a:latin typeface="Google Sans"/>
+            </a:endParaRPr>
+          </a:p>
+          <a:p>
+            <a:pPr algn="l">
+              <a:buFont typeface="Arial" panose="020B0604020202020204" pitchFamily="34" charset="0"/>
+              <a:buChar char="•"/>
+            </a:pPr>
+            <a:r>
+              <a:rPr lang="en-US" sz="4200" b="1" i="0" dirty="0">
+                <a:solidFill>
+                  <a:schemeClr val="tx1"/>
+                </a:solidFill>
+                <a:effectLst/>
+                <a:latin typeface="Google Sans"/>
+              </a:rPr>
+              <a:t>Singleton Pattern</a:t>
+            </a:r>
+          </a:p>
+          <a:p>
+            <a:pPr algn="l">
+              <a:buFont typeface="Arial" panose="020B0604020202020204" pitchFamily="34" charset="0"/>
+              <a:buChar char="•"/>
+            </a:pPr>
+            <a:endParaRPr lang="en-US" sz="4200" b="1" dirty="0">
+              <a:latin typeface="Google Sans"/>
+            </a:endParaRPr>
+          </a:p>
+          <a:p>
+            <a:pPr algn="l">
+              <a:buFont typeface="Arial" panose="020B0604020202020204" pitchFamily="34" charset="0"/>
+              <a:buChar char="•"/>
+            </a:pPr>
+            <a:r>
+              <a:rPr lang="en-US" sz="4200" b="1" dirty="0"/>
+              <a:t>Observer Pattern</a:t>
+            </a:r>
+          </a:p>
+          <a:p>
+            <a:pPr algn="l">
+              <a:buFont typeface="Arial" panose="020B0604020202020204" pitchFamily="34" charset="0"/>
+              <a:buChar char="•"/>
+            </a:pPr>
+            <a:endParaRPr lang="en-US" sz="4200" b="1" dirty="0"/>
+          </a:p>
+          <a:p>
+            <a:pPr algn="l">
+              <a:buFont typeface="Arial" panose="020B0604020202020204" pitchFamily="34" charset="0"/>
+              <a:buChar char="•"/>
+            </a:pPr>
+            <a:r>
+              <a:rPr lang="en-US" sz="4200" b="1" dirty="0"/>
+              <a:t>Factory Pattern</a:t>
+            </a:r>
+          </a:p>
+          <a:p>
+            <a:pPr algn="l">
+              <a:buFont typeface="Arial" panose="020B0604020202020204" pitchFamily="34" charset="0"/>
+              <a:buChar char="•"/>
+            </a:pPr>
+            <a:endParaRPr lang="en-US" sz="4200" b="1" dirty="0"/>
+          </a:p>
+          <a:p>
+            <a:pPr algn="l">
+              <a:buFont typeface="Arial" panose="020B0604020202020204" pitchFamily="34" charset="0"/>
+              <a:buChar char="•"/>
+            </a:pPr>
+            <a:r>
+              <a:rPr lang="en-US" sz="4200" b="1" dirty="0"/>
+              <a:t>Adapter Pattern</a:t>
+            </a:r>
+          </a:p>
+          <a:p>
+            <a:pPr algn="l">
+              <a:buFont typeface="Arial" panose="020B0604020202020204" pitchFamily="34" charset="0"/>
+              <a:buChar char="•"/>
+            </a:pPr>
+            <a:endParaRPr lang="en-US" sz="4200" b="1" dirty="0"/>
+          </a:p>
+          <a:p>
+            <a:pPr algn="l">
+              <a:buFont typeface="Arial" panose="020B0604020202020204" pitchFamily="34" charset="0"/>
+              <a:buChar char="•"/>
+            </a:pPr>
+            <a:r>
+              <a:rPr lang="en-US" sz="4200" b="1" dirty="0"/>
+              <a:t>Decorator Pattern</a:t>
+            </a:r>
+          </a:p>
+          <a:p>
+            <a:pPr algn="l">
+              <a:buFont typeface="Arial" panose="020B0604020202020204" pitchFamily="34" charset="0"/>
+              <a:buChar char="•"/>
+            </a:pPr>
+            <a:endParaRPr lang="en-US" sz="4200" b="1" dirty="0"/>
+          </a:p>
+          <a:p>
+            <a:pPr algn="l">
+              <a:buFont typeface="Arial" panose="020B0604020202020204" pitchFamily="34" charset="0"/>
+              <a:buChar char="•"/>
+            </a:pPr>
+            <a:r>
+              <a:rPr lang="en-US" sz="4200" b="1" dirty="0"/>
+              <a:t>Strategy Pattern</a:t>
+            </a:r>
+          </a:p>
+          <a:p>
+            <a:pPr algn="l">
+              <a:buFont typeface="Arial" panose="020B0604020202020204" pitchFamily="34" charset="0"/>
+              <a:buChar char="•"/>
+            </a:pPr>
+            <a:endParaRPr lang="en-CM" dirty="0"/>
           </a:p>
         </p:txBody>
       </p:sp>
     </p:spTree>
     <p:extLst>
       <p:ext uri="{BB962C8B-B14F-4D97-AF65-F5344CB8AC3E}">
-        <p14:creationId xmlns:p14="http://schemas.microsoft.com/office/powerpoint/2010/main" val="1557475460"/>
+        <p14:creationId xmlns:p14="http://schemas.microsoft.com/office/powerpoint/2010/main" val="179640952"/>
       </p:ext>
     </p:extLst>
   </p:cSld>
@@ -8212,7 +8001,7 @@
           <p:cNvPr id="2" name="Title 1">
             <a:extLst>
               <a:ext uri="{FF2B5EF4-FFF2-40B4-BE49-F238E27FC236}">
-                <a16:creationId xmlns:a16="http://schemas.microsoft.com/office/drawing/2014/main" id="{9B92E593-ADA7-33FB-7D21-8D622D7F6D3E}"/>
+                <a16:creationId xmlns:a16="http://schemas.microsoft.com/office/drawing/2014/main" id="{B21137B8-D0A8-362B-23C3-38CB47CE1F11}"/>
               </a:ext>
             </a:extLst>
           </p:cNvPr>
@@ -8225,8 +8014,8 @@
         </p:nvSpPr>
         <p:spPr>
           <a:xfrm>
-            <a:off x="646111" y="452718"/>
-            <a:ext cx="11113767" cy="1400530"/>
+            <a:off x="669261" y="302247"/>
+            <a:ext cx="10662355" cy="1804345"/>
           </a:xfrm>
         </p:spPr>
         <p:txBody>
@@ -8234,13 +8023,14 @@
           <a:lstStyle/>
           <a:p>
             <a:r>
-              <a:rPr lang="en-US" sz="4000" b="1" dirty="0"/>
-              <a:t> VII. ESTIMATING MOBILE APP DEVELOPMENT COST</a:t>
-            </a:r>
-            <a:br>
-              <a:rPr lang="en-US" sz="4400" dirty="0"/>
-            </a:br>
-            <a:endParaRPr lang="en-CM" dirty="0"/>
+              <a:rPr lang="en-US" sz="3200" b="1" dirty="0"/>
+              <a:t>VI. COLLECTING AND ANALYSING USER REQUIREMENTS FOR A MOBILE APPLICATION (REQUIREMENT ENGINEERING</a:t>
+            </a:r>
+            <a:endParaRPr lang="en-CM" sz="3200" b="1" dirty="0">
+              <a:solidFill>
+                <a:schemeClr val="tx1"/>
+              </a:solidFill>
+            </a:endParaRPr>
           </a:p>
         </p:txBody>
       </p:sp>
@@ -8249,7 +8039,7 @@
           <p:cNvPr id="3" name="Content Placeholder 2">
             <a:extLst>
               <a:ext uri="{FF2B5EF4-FFF2-40B4-BE49-F238E27FC236}">
-                <a16:creationId xmlns:a16="http://schemas.microsoft.com/office/drawing/2014/main" id="{1C168DD0-CD38-6347-40E4-F2F4F6C0141A}"/>
+                <a16:creationId xmlns:a16="http://schemas.microsoft.com/office/drawing/2014/main" id="{7F4439EB-5DA6-8E05-E1FD-52A567593977}"/>
               </a:ext>
             </a:extLst>
           </p:cNvPr>
@@ -8262,57 +8052,105 @@
         </p:nvSpPr>
         <p:spPr>
           <a:xfrm>
-            <a:off x="530365" y="1956122"/>
-            <a:ext cx="11113767" cy="4745620"/>
+            <a:off x="356502" y="2280213"/>
+            <a:ext cx="11478995" cy="4751408"/>
           </a:xfrm>
         </p:spPr>
         <p:txBody>
           <a:bodyPr>
-            <a:normAutofit/>
+            <a:normAutofit fontScale="25000" lnSpcReduction="20000"/>
           </a:bodyPr>
           <a:lstStyle/>
           <a:p>
-            <a:r>
-              <a:rPr lang="en-US" sz="2400" dirty="0"/>
-              <a:t>Here are some steps and factors to consider when estimating the cost of developing a mobile app:</a:t>
-            </a:r>
-          </a:p>
-          <a:p>
-            <a:endParaRPr lang="en-US" dirty="0"/>
-          </a:p>
-          <a:p>
-            <a:r>
-              <a:rPr lang="en-US" sz="3200" b="1" dirty="0"/>
-              <a:t>1. Define Project Scope and Requirements </a:t>
-            </a:r>
-          </a:p>
-          <a:p>
-            <a:endParaRPr lang="en-US" sz="3200" b="1" dirty="0"/>
-          </a:p>
-          <a:p>
-            <a:r>
-              <a:rPr lang="en-US" sz="3200" b="1" dirty="0"/>
-              <a:t>2. Identify Development Costs </a:t>
-            </a:r>
-          </a:p>
-          <a:p>
-            <a:endParaRPr lang="en-US" sz="3200" b="1" dirty="0"/>
-          </a:p>
-          <a:p>
-            <a:r>
-              <a:rPr lang="en-US" sz="3200" b="1" dirty="0"/>
-              <a:t>3. Consider Design and Asset Creation Costs </a:t>
-            </a:r>
-          </a:p>
-          <a:p>
-            <a:endParaRPr lang="en-US" sz="3200" b="1" dirty="0"/>
+            <a:pPr algn="l"/>
+            <a:r>
+              <a:rPr lang="en-US" sz="9600" b="0" i="0" dirty="0">
+                <a:solidFill>
+                  <a:schemeClr val="tx1"/>
+                </a:solidFill>
+                <a:effectLst/>
+                <a:latin typeface="Google Sans"/>
+              </a:rPr>
+              <a:t>Understanding user needs is paramount to the success of any mobile application. By collecting and analyzing user requirements, we ensure that the app is designed to address their problems and provide a valuable user experience. Here, we will explore various techniques for gathering and analyzing user requirements.</a:t>
+            </a:r>
+          </a:p>
+          <a:p>
+            <a:pPr algn="l"/>
+            <a:endParaRPr lang="en-US" sz="9600" b="0" i="0" dirty="0">
+              <a:solidFill>
+                <a:schemeClr val="tx1"/>
+              </a:solidFill>
+              <a:effectLst/>
+              <a:latin typeface="Google Sans"/>
+            </a:endParaRPr>
+          </a:p>
+          <a:p>
+            <a:pPr algn="l">
+              <a:buFont typeface="Arial" panose="020B0604020202020204" pitchFamily="34" charset="0"/>
+              <a:buChar char="•"/>
+            </a:pPr>
+            <a:r>
+              <a:rPr lang="en-US" sz="9600" b="0" i="0" dirty="0">
+                <a:solidFill>
+                  <a:schemeClr val="tx1"/>
+                </a:solidFill>
+                <a:effectLst/>
+                <a:latin typeface="Google Sans"/>
+              </a:rPr>
+              <a:t>1) </a:t>
+            </a:r>
+            <a:r>
+              <a:rPr lang="en-US" sz="9600" b="1" i="0" dirty="0">
+                <a:solidFill>
+                  <a:schemeClr val="tx1"/>
+                </a:solidFill>
+                <a:effectLst/>
+                <a:latin typeface="Google Sans"/>
+              </a:rPr>
+              <a:t>User Requirement Collection Techniques:</a:t>
+            </a:r>
+          </a:p>
+          <a:p>
+            <a:pPr marL="742950" lvl="1" indent="-285750" algn="l">
+              <a:buFont typeface="Arial" panose="020B0604020202020204" pitchFamily="34" charset="0"/>
+              <a:buChar char="•"/>
+            </a:pPr>
+            <a:r>
+              <a:rPr lang="en-US" sz="9600" b="0" i="0" dirty="0">
+                <a:solidFill>
+                  <a:schemeClr val="tx1"/>
+                </a:solidFill>
+                <a:effectLst/>
+                <a:latin typeface="Google Sans"/>
+              </a:rPr>
+              <a:t>Stakeholder Interviews: Conducting structured interviews with key stakeholders like clients, users, and domain experts to gather insights into their needs, preferences, and expectations.</a:t>
+            </a:r>
+          </a:p>
+          <a:p>
+            <a:pPr marL="742950" lvl="1" indent="-285750" algn="l">
+              <a:buFont typeface="Arial" panose="020B0604020202020204" pitchFamily="34" charset="0"/>
+              <a:buChar char="•"/>
+            </a:pPr>
+            <a:r>
+              <a:rPr lang="en-US" sz="9600" b="0" i="0" dirty="0">
+                <a:solidFill>
+                  <a:schemeClr val="tx1"/>
+                </a:solidFill>
+                <a:effectLst/>
+                <a:latin typeface="Google Sans"/>
+              </a:rPr>
+              <a:t>Surveys and Questionnaires: Distributing surveys to a targeted audience to collect quantitative data on user demographics, pain points, and feature preferences.</a:t>
+            </a:r>
+          </a:p>
+          <a:p>
+            <a:endParaRPr lang="en-CM" dirty="0"/>
           </a:p>
         </p:txBody>
       </p:sp>
     </p:spTree>
     <p:extLst>
       <p:ext uri="{BB962C8B-B14F-4D97-AF65-F5344CB8AC3E}">
-        <p14:creationId xmlns:p14="http://schemas.microsoft.com/office/powerpoint/2010/main" val="3216438193"/>
+        <p14:creationId xmlns:p14="http://schemas.microsoft.com/office/powerpoint/2010/main" val="1878707682"/>
       </p:ext>
     </p:extLst>
   </p:cSld>
@@ -8516,7 +8354,7 @@
           <p:cNvPr id="3" name="Content Placeholder 2">
             <a:extLst>
               <a:ext uri="{FF2B5EF4-FFF2-40B4-BE49-F238E27FC236}">
-                <a16:creationId xmlns:a16="http://schemas.microsoft.com/office/drawing/2014/main" id="{31E766A5-8785-3394-4B8D-784F79626070}"/>
+                <a16:creationId xmlns:a16="http://schemas.microsoft.com/office/drawing/2014/main" id="{6625E9D6-7B48-4F4E-E9F1-C1F1D0437527}"/>
               </a:ext>
             </a:extLst>
           </p:cNvPr>
@@ -8529,8 +8367,8 @@
         </p:nvSpPr>
         <p:spPr>
           <a:xfrm>
-            <a:off x="451413" y="428263"/>
-            <a:ext cx="11320040" cy="5995685"/>
+            <a:off x="474562" y="729206"/>
+            <a:ext cx="10764456" cy="5519194"/>
           </a:xfrm>
         </p:spPr>
         <p:txBody>
@@ -8540,56 +8378,95 @@
           <a:lstStyle/>
           <a:p>
             <a:r>
+              <a:rPr lang="en-US" sz="2800" dirty="0"/>
+              <a:t>2) </a:t>
+            </a:r>
+            <a:r>
               <a:rPr lang="en-US" sz="3200" b="1" dirty="0"/>
-              <a:t>4. Account for Testing and Quality Assurance - Testing Devices</a:t>
-            </a:r>
-          </a:p>
-          <a:p>
-            <a:endParaRPr lang="en-US" sz="3200" b="1" dirty="0"/>
-          </a:p>
-          <a:p>
-            <a:r>
-              <a:rPr lang="en-US" sz="3200" b="1" dirty="0"/>
-              <a:t>5. Include Deployment and Maintenance Costs - App Store Fees</a:t>
-            </a:r>
-          </a:p>
-          <a:p>
-            <a:endParaRPr lang="en-US" sz="3200" b="1" dirty="0"/>
-          </a:p>
-          <a:p>
-            <a:r>
-              <a:rPr lang="en-US" sz="3200" b="1" dirty="0"/>
-              <a:t> 6. Additional Factors to Consider - Project Management</a:t>
-            </a:r>
-          </a:p>
-          <a:p>
-            <a:endParaRPr lang="en-US" sz="3200" b="1" dirty="0"/>
-          </a:p>
-          <a:p>
-            <a:r>
-              <a:rPr lang="en-US" sz="3200" b="1" dirty="0"/>
-              <a:t> 7. Cost Estimation Techniques - Bottom-Up Estimation</a:t>
-            </a:r>
-          </a:p>
-          <a:p>
-            <a:endParaRPr lang="en-US" sz="3200" b="1" dirty="0"/>
-          </a:p>
-          <a:p>
-            <a:r>
-              <a:rPr lang="en-US" sz="3200" b="1" dirty="0"/>
-              <a:t> 8. Use Cost Estimation Tools</a:t>
-            </a:r>
-            <a:endParaRPr lang="en-CM" sz="3200" b="1" dirty="0"/>
-          </a:p>
-          <a:p>
-            <a:endParaRPr lang="en-CM" dirty="0"/>
+              <a:t>User Requirement Analysis</a:t>
+            </a:r>
+          </a:p>
+          <a:p>
+            <a:endParaRPr lang="en-US" sz="3200" dirty="0"/>
+          </a:p>
+          <a:p>
+            <a:r>
+              <a:rPr lang="en-US" dirty="0"/>
+              <a:t> </a:t>
+            </a:r>
+            <a:r>
+              <a:rPr lang="en-US" sz="2400" b="1" dirty="0"/>
+              <a:t>Prioritization of Requirements: </a:t>
+            </a:r>
+          </a:p>
+          <a:p>
+            <a:r>
+              <a:rPr lang="en-US" sz="2400" dirty="0"/>
+              <a:t>-</a:t>
+            </a:r>
+            <a:r>
+              <a:rPr lang="en-US" sz="2400" b="1" dirty="0"/>
+              <a:t> Description</a:t>
+            </a:r>
+            <a:r>
+              <a:rPr lang="en-US" sz="2400" dirty="0"/>
+              <a:t>: Rank requirements based on their importance and impact on the overall success of the app. </a:t>
+            </a:r>
+          </a:p>
+          <a:p>
+            <a:r>
+              <a:rPr lang="en-US" sz="2400" b="1" dirty="0"/>
+              <a:t>- Approach</a:t>
+            </a:r>
+            <a:r>
+              <a:rPr lang="en-US" sz="2400" dirty="0"/>
+              <a:t>: Use techniques like </a:t>
+            </a:r>
+            <a:r>
+              <a:rPr lang="en-US" sz="2400" dirty="0" err="1"/>
+              <a:t>MoSCoW</a:t>
+            </a:r>
+            <a:r>
+              <a:rPr lang="en-US" sz="2400" dirty="0"/>
+              <a:t> (Must have, should have, could have, Won’t have) to prioritize features. </a:t>
+            </a:r>
+          </a:p>
+          <a:p>
+            <a:endParaRPr lang="en-US" sz="2400" dirty="0"/>
+          </a:p>
+          <a:p>
+            <a:r>
+              <a:rPr lang="en-US" sz="2400" b="1" dirty="0"/>
+              <a:t> Requirement Documentation: </a:t>
+            </a:r>
+          </a:p>
+          <a:p>
+            <a:r>
+              <a:rPr lang="en-US" sz="2400" b="1" dirty="0"/>
+              <a:t>- Description: </a:t>
+            </a:r>
+            <a:r>
+              <a:rPr lang="en-US" sz="2400" dirty="0"/>
+              <a:t>Document user requirements in a clear, structured manner to serve as a reference during the development process. </a:t>
+            </a:r>
+          </a:p>
+          <a:p>
+            <a:r>
+              <a:rPr lang="en-US" sz="2400" b="1" dirty="0"/>
+              <a:t>- Approach: </a:t>
+            </a:r>
+            <a:r>
+              <a:rPr lang="en-US" sz="2400" dirty="0"/>
+              <a:t>Create user stories, use cases, and requirements specifications detailing functional and non-functional requirements. </a:t>
+            </a:r>
+            <a:endParaRPr lang="en-CM" sz="2400" dirty="0"/>
           </a:p>
         </p:txBody>
       </p:sp>
     </p:spTree>
     <p:extLst>
       <p:ext uri="{BB962C8B-B14F-4D97-AF65-F5344CB8AC3E}">
-        <p14:creationId xmlns:p14="http://schemas.microsoft.com/office/powerpoint/2010/main" val="4085861626"/>
+        <p14:creationId xmlns:p14="http://schemas.microsoft.com/office/powerpoint/2010/main" val="1557475460"/>
       </p:ext>
     </p:extLst>
   </p:cSld>
@@ -8621,6 +8498,243 @@
           <p:cNvPr id="2" name="Title 1">
             <a:extLst>
               <a:ext uri="{FF2B5EF4-FFF2-40B4-BE49-F238E27FC236}">
+                <a16:creationId xmlns:a16="http://schemas.microsoft.com/office/drawing/2014/main" id="{9B92E593-ADA7-33FB-7D21-8D622D7F6D3E}"/>
+              </a:ext>
+            </a:extLst>
+          </p:cNvPr>
+          <p:cNvSpPr>
+            <a:spLocks noGrp="1"/>
+          </p:cNvSpPr>
+          <p:nvPr>
+            <p:ph type="title"/>
+          </p:nvPr>
+        </p:nvSpPr>
+        <p:spPr>
+          <a:xfrm>
+            <a:off x="646111" y="452718"/>
+            <a:ext cx="11113767" cy="1400530"/>
+          </a:xfrm>
+        </p:spPr>
+        <p:txBody>
+          <a:bodyPr/>
+          <a:lstStyle/>
+          <a:p>
+            <a:r>
+              <a:rPr lang="en-US" sz="4000" b="1" dirty="0"/>
+              <a:t> VII. ESTIMATING MOBILE APP DEVELOPMENT COST</a:t>
+            </a:r>
+            <a:br>
+              <a:rPr lang="en-US" sz="4400" dirty="0"/>
+            </a:br>
+            <a:endParaRPr lang="en-CM" dirty="0"/>
+          </a:p>
+        </p:txBody>
+      </p:sp>
+      <p:sp>
+        <p:nvSpPr>
+          <p:cNvPr id="3" name="Content Placeholder 2">
+            <a:extLst>
+              <a:ext uri="{FF2B5EF4-FFF2-40B4-BE49-F238E27FC236}">
+                <a16:creationId xmlns:a16="http://schemas.microsoft.com/office/drawing/2014/main" id="{1C168DD0-CD38-6347-40E4-F2F4F6C0141A}"/>
+              </a:ext>
+            </a:extLst>
+          </p:cNvPr>
+          <p:cNvSpPr>
+            <a:spLocks noGrp="1"/>
+          </p:cNvSpPr>
+          <p:nvPr>
+            <p:ph idx="1"/>
+          </p:nvPr>
+        </p:nvSpPr>
+        <p:spPr>
+          <a:xfrm>
+            <a:off x="530365" y="1956122"/>
+            <a:ext cx="11113767" cy="4745620"/>
+          </a:xfrm>
+        </p:spPr>
+        <p:txBody>
+          <a:bodyPr>
+            <a:normAutofit/>
+          </a:bodyPr>
+          <a:lstStyle/>
+          <a:p>
+            <a:r>
+              <a:rPr lang="en-US" sz="2400" dirty="0"/>
+              <a:t>Here are some steps and factors to consider when estimating the cost of developing a mobile app:</a:t>
+            </a:r>
+          </a:p>
+          <a:p>
+            <a:endParaRPr lang="en-US" dirty="0"/>
+          </a:p>
+          <a:p>
+            <a:r>
+              <a:rPr lang="en-US" sz="3200" b="1" dirty="0"/>
+              <a:t>1. Define Project Scope and Requirements </a:t>
+            </a:r>
+          </a:p>
+          <a:p>
+            <a:endParaRPr lang="en-US" sz="3200" b="1" dirty="0"/>
+          </a:p>
+          <a:p>
+            <a:r>
+              <a:rPr lang="en-US" sz="3200" b="1" dirty="0"/>
+              <a:t>2. Identify Development Costs </a:t>
+            </a:r>
+          </a:p>
+          <a:p>
+            <a:endParaRPr lang="en-US" sz="3200" b="1" dirty="0"/>
+          </a:p>
+          <a:p>
+            <a:r>
+              <a:rPr lang="en-US" sz="3200" b="1" dirty="0"/>
+              <a:t>3. Consider Design and Asset Creation Costs </a:t>
+            </a:r>
+          </a:p>
+          <a:p>
+            <a:endParaRPr lang="en-US" sz="3200" b="1" dirty="0"/>
+          </a:p>
+        </p:txBody>
+      </p:sp>
+    </p:spTree>
+    <p:extLst>
+      <p:ext uri="{BB962C8B-B14F-4D97-AF65-F5344CB8AC3E}">
+        <p14:creationId xmlns:p14="http://schemas.microsoft.com/office/powerpoint/2010/main" val="3216438193"/>
+      </p:ext>
+    </p:extLst>
+  </p:cSld>
+  <p:clrMapOvr>
+    <a:masterClrMapping/>
+  </p:clrMapOvr>
+</p:sld>
+</file>
+
+<file path=ppt/slides/slide22.xml><?xml version="1.0" encoding="utf-8"?>
+<p:sld xmlns:a="http://schemas.openxmlformats.org/drawingml/2006/main" xmlns:r="http://schemas.openxmlformats.org/officeDocument/2006/relationships" xmlns:p="http://schemas.openxmlformats.org/presentationml/2006/main">
+  <p:cSld>
+    <p:spTree>
+      <p:nvGrpSpPr>
+        <p:cNvPr id="1" name=""/>
+        <p:cNvGrpSpPr/>
+        <p:nvPr/>
+      </p:nvGrpSpPr>
+      <p:grpSpPr>
+        <a:xfrm>
+          <a:off x="0" y="0"/>
+          <a:ext cx="0" cy="0"/>
+          <a:chOff x="0" y="0"/>
+          <a:chExt cx="0" cy="0"/>
+        </a:xfrm>
+      </p:grpSpPr>
+      <p:sp>
+        <p:nvSpPr>
+          <p:cNvPr id="3" name="Content Placeholder 2">
+            <a:extLst>
+              <a:ext uri="{FF2B5EF4-FFF2-40B4-BE49-F238E27FC236}">
+                <a16:creationId xmlns:a16="http://schemas.microsoft.com/office/drawing/2014/main" id="{31E766A5-8785-3394-4B8D-784F79626070}"/>
+              </a:ext>
+            </a:extLst>
+          </p:cNvPr>
+          <p:cNvSpPr>
+            <a:spLocks noGrp="1"/>
+          </p:cNvSpPr>
+          <p:nvPr>
+            <p:ph idx="1"/>
+          </p:nvPr>
+        </p:nvSpPr>
+        <p:spPr>
+          <a:xfrm>
+            <a:off x="451413" y="428263"/>
+            <a:ext cx="11320040" cy="5995685"/>
+          </a:xfrm>
+        </p:spPr>
+        <p:txBody>
+          <a:bodyPr>
+            <a:normAutofit fontScale="92500" lnSpcReduction="10000"/>
+          </a:bodyPr>
+          <a:lstStyle/>
+          <a:p>
+            <a:r>
+              <a:rPr lang="en-US" sz="3200" b="1" dirty="0"/>
+              <a:t>4. Account for Testing and Quality Assurance - Testing Devices</a:t>
+            </a:r>
+          </a:p>
+          <a:p>
+            <a:endParaRPr lang="en-US" sz="3200" b="1" dirty="0"/>
+          </a:p>
+          <a:p>
+            <a:r>
+              <a:rPr lang="en-US" sz="3200" b="1" dirty="0"/>
+              <a:t>5. Include Deployment and Maintenance Costs - App Store Fees</a:t>
+            </a:r>
+          </a:p>
+          <a:p>
+            <a:endParaRPr lang="en-US" sz="3200" b="1" dirty="0"/>
+          </a:p>
+          <a:p>
+            <a:r>
+              <a:rPr lang="en-US" sz="3200" b="1" dirty="0"/>
+              <a:t> 6. Additional Factors to Consider - Project Management</a:t>
+            </a:r>
+          </a:p>
+          <a:p>
+            <a:endParaRPr lang="en-US" sz="3200" b="1" dirty="0"/>
+          </a:p>
+          <a:p>
+            <a:r>
+              <a:rPr lang="en-US" sz="3200" b="1" dirty="0"/>
+              <a:t> 7. Cost Estimation Techniques - Bottom-Up Estimation</a:t>
+            </a:r>
+          </a:p>
+          <a:p>
+            <a:endParaRPr lang="en-US" sz="3200" b="1" dirty="0"/>
+          </a:p>
+          <a:p>
+            <a:r>
+              <a:rPr lang="en-US" sz="3200" b="1" dirty="0"/>
+              <a:t> 8. Use Cost Estimation Tools</a:t>
+            </a:r>
+            <a:endParaRPr lang="en-CM" sz="3200" b="1" dirty="0"/>
+          </a:p>
+          <a:p>
+            <a:endParaRPr lang="en-CM" dirty="0"/>
+          </a:p>
+        </p:txBody>
+      </p:sp>
+    </p:spTree>
+    <p:extLst>
+      <p:ext uri="{BB962C8B-B14F-4D97-AF65-F5344CB8AC3E}">
+        <p14:creationId xmlns:p14="http://schemas.microsoft.com/office/powerpoint/2010/main" val="4085861626"/>
+      </p:ext>
+    </p:extLst>
+  </p:cSld>
+  <p:clrMapOvr>
+    <a:masterClrMapping/>
+  </p:clrMapOvr>
+</p:sld>
+</file>
+
+<file path=ppt/slides/slide23.xml><?xml version="1.0" encoding="utf-8"?>
+<p:sld xmlns:a="http://schemas.openxmlformats.org/drawingml/2006/main" xmlns:r="http://schemas.openxmlformats.org/officeDocument/2006/relationships" xmlns:p="http://schemas.openxmlformats.org/presentationml/2006/main">
+  <p:cSld>
+    <p:spTree>
+      <p:nvGrpSpPr>
+        <p:cNvPr id="1" name=""/>
+        <p:cNvGrpSpPr/>
+        <p:nvPr/>
+      </p:nvGrpSpPr>
+      <p:grpSpPr>
+        <a:xfrm>
+          <a:off x="0" y="0"/>
+          <a:ext cx="0" cy="0"/>
+          <a:chOff x="0" y="0"/>
+          <a:chExt cx="0" cy="0"/>
+        </a:xfrm>
+      </p:grpSpPr>
+      <p:sp>
+        <p:nvSpPr>
+          <p:cNvPr id="2" name="Title 1">
+            <a:extLst>
+              <a:ext uri="{FF2B5EF4-FFF2-40B4-BE49-F238E27FC236}">
                 <a16:creationId xmlns:a16="http://schemas.microsoft.com/office/drawing/2014/main" id="{1BD179DC-468D-98FF-65E8-5FE595D7C09C}"/>
               </a:ext>
             </a:extLst>
@@ -8705,7 +8819,7 @@
 </p:sld>
 </file>
 
-<file path=ppt/slides/slide22.xml><?xml version="1.0" encoding="utf-8"?>
+<file path=ppt/slides/slide24.xml><?xml version="1.0" encoding="utf-8"?>
 <p:sld xmlns:a="http://schemas.openxmlformats.org/drawingml/2006/main" xmlns:r="http://schemas.openxmlformats.org/officeDocument/2006/relationships" xmlns:p="http://schemas.openxmlformats.org/presentationml/2006/main">
   <p:cSld>
     <p:spTree>
@@ -9529,35 +9643,119 @@
           </a:p>
         </p:txBody>
       </p:sp>
-      <p:pic>
-        <p:nvPicPr>
-          <p:cNvPr id="7" name="Content Placeholder 6">
+      <p:sp>
+        <p:nvSpPr>
+          <p:cNvPr id="6" name="Content Placeholder 5">
             <a:extLst>
               <a:ext uri="{FF2B5EF4-FFF2-40B4-BE49-F238E27FC236}">
-                <a16:creationId xmlns:a16="http://schemas.microsoft.com/office/drawing/2014/main" id="{A761FC82-82D1-9FDE-4AEB-444CE2784462}"/>
+                <a16:creationId xmlns:a16="http://schemas.microsoft.com/office/drawing/2014/main" id="{8008F27B-DC04-0C68-B508-0300EFD57743}"/>
               </a:ext>
             </a:extLst>
           </p:cNvPr>
-          <p:cNvPicPr>
-            <a:picLocks noGrp="1" noChangeAspect="1"/>
-          </p:cNvPicPr>
+          <p:cNvSpPr>
+            <a:spLocks noGrp="1"/>
+          </p:cNvSpPr>
           <p:nvPr>
             <p:ph idx="1"/>
           </p:nvPr>
-        </p:nvPicPr>
-        <p:blipFill>
-          <a:blip r:embed="rId2"/>
-          <a:stretch>
-            <a:fillRect/>
-          </a:stretch>
-        </p:blipFill>
-        <p:spPr>
-          <a:xfrm>
-            <a:off x="1109099" y="2209520"/>
-            <a:ext cx="10372988" cy="4195762"/>
-          </a:xfrm>
-        </p:spPr>
-      </p:pic>
+        </p:nvSpPr>
+        <p:spPr/>
+        <p:txBody>
+          <a:bodyPr/>
+          <a:lstStyle/>
+          <a:p>
+            <a:pPr algn="l"/>
+            <a:r>
+              <a:rPr lang="en-US" sz="2000" b="0" i="0" dirty="0">
+                <a:solidFill>
+                  <a:schemeClr val="tx1"/>
+                </a:solidFill>
+                <a:effectLst/>
+                <a:latin typeface="Google Sans"/>
+              </a:rPr>
+              <a:t>The choice of programming language for mobile app development depends on the target platform and the specific requirements of the project. Here's a brief overview of some popular options:</a:t>
+            </a:r>
+          </a:p>
+          <a:p>
+            <a:pPr algn="l"/>
+            <a:endParaRPr lang="en-US" sz="2000" b="0" i="0" dirty="0">
+              <a:solidFill>
+                <a:schemeClr val="tx1"/>
+              </a:solidFill>
+              <a:effectLst/>
+              <a:latin typeface="Google Sans"/>
+            </a:endParaRPr>
+          </a:p>
+          <a:p>
+            <a:pPr algn="l">
+              <a:buFont typeface="Arial" panose="020B0604020202020204" pitchFamily="34" charset="0"/>
+              <a:buChar char="•"/>
+            </a:pPr>
+            <a:r>
+              <a:rPr lang="en-US" sz="2000" b="1" i="0" dirty="0">
+                <a:solidFill>
+                  <a:schemeClr val="tx1"/>
+                </a:solidFill>
+                <a:effectLst/>
+                <a:latin typeface="Google Sans"/>
+              </a:rPr>
+              <a:t>Java</a:t>
+            </a:r>
+            <a:r>
+              <a:rPr lang="en-US" sz="2000" b="0" i="0" dirty="0">
+                <a:solidFill>
+                  <a:schemeClr val="tx1"/>
+                </a:solidFill>
+                <a:effectLst/>
+                <a:latin typeface="Google Sans"/>
+              </a:rPr>
+              <a:t>: Widely used for Android app development, known for its platform-independence and rich ecosystem of libraries and tools.</a:t>
+            </a:r>
+          </a:p>
+          <a:p>
+            <a:pPr algn="l">
+              <a:buFont typeface="Arial" panose="020B0604020202020204" pitchFamily="34" charset="0"/>
+              <a:buChar char="•"/>
+            </a:pPr>
+            <a:endParaRPr lang="en-US" sz="2000" b="0" i="0" dirty="0">
+              <a:solidFill>
+                <a:schemeClr val="tx1"/>
+              </a:solidFill>
+              <a:effectLst/>
+              <a:latin typeface="Google Sans"/>
+            </a:endParaRPr>
+          </a:p>
+          <a:p>
+            <a:pPr algn="l">
+              <a:buFont typeface="Arial" panose="020B0604020202020204" pitchFamily="34" charset="0"/>
+              <a:buChar char="•"/>
+            </a:pPr>
+            <a:r>
+              <a:rPr lang="en-US" sz="2000" b="1" i="0" dirty="0">
+                <a:solidFill>
+                  <a:schemeClr val="tx1"/>
+                </a:solidFill>
+                <a:effectLst/>
+                <a:latin typeface="Google Sans"/>
+              </a:rPr>
+              <a:t>Kotlin</a:t>
+            </a:r>
+            <a:r>
+              <a:rPr lang="en-US" sz="2000" b="0" i="0" dirty="0">
+                <a:solidFill>
+                  <a:schemeClr val="tx1"/>
+                </a:solidFill>
+                <a:effectLst/>
+                <a:latin typeface="Google Sans"/>
+              </a:rPr>
+              <a:t>: A modern language gaining popularity for Android development, offering features like null safety and concise syntax.</a:t>
+            </a:r>
+          </a:p>
+          <a:p>
+            <a:endParaRPr lang="en-CM" dirty="0"/>
+          </a:p>
+        </p:txBody>
+      </p:sp>
     </p:spTree>
     <p:extLst>
       <p:ext uri="{BB962C8B-B14F-4D97-AF65-F5344CB8AC3E}">
@@ -9588,39 +9786,224 @@
           <a:chExt cx="0" cy="0"/>
         </a:xfrm>
       </p:grpSpPr>
-      <p:pic>
-        <p:nvPicPr>
-          <p:cNvPr id="5" name="Content Placeholder 4">
+      <p:sp>
+        <p:nvSpPr>
+          <p:cNvPr id="4" name="Content Placeholder 2">
             <a:extLst>
               <a:ext uri="{FF2B5EF4-FFF2-40B4-BE49-F238E27FC236}">
-                <a16:creationId xmlns:a16="http://schemas.microsoft.com/office/drawing/2014/main" id="{BA1CF17B-3B16-53B6-C0C7-E592FF5709A0}"/>
+                <a16:creationId xmlns:a16="http://schemas.microsoft.com/office/drawing/2014/main" id="{722BE7D0-5D4D-A123-1A6C-21C9A76C7A6C}"/>
               </a:ext>
             </a:extLst>
           </p:cNvPr>
-          <p:cNvPicPr>
-            <a:picLocks noGrp="1" noChangeAspect="1"/>
-          </p:cNvPicPr>
+          <p:cNvSpPr>
+            <a:spLocks noGrp="1"/>
+          </p:cNvSpPr>
           <p:nvPr>
             <p:ph idx="1"/>
           </p:nvPr>
-        </p:nvPicPr>
-        <p:blipFill>
-          <a:blip r:embed="rId2"/>
-          <a:stretch>
-            <a:fillRect/>
-          </a:stretch>
-        </p:blipFill>
+        </p:nvSpPr>
         <p:spPr>
           <a:xfrm>
-            <a:off x="1083233" y="1027712"/>
-            <a:ext cx="10456725" cy="5211041"/>
+            <a:off x="636608" y="428263"/>
+            <a:ext cx="10926501" cy="6123007"/>
           </a:xfrm>
         </p:spPr>
-      </p:pic>
+        <p:txBody>
+          <a:bodyPr>
+            <a:normAutofit lnSpcReduction="10000"/>
+          </a:bodyPr>
+          <a:lstStyle/>
+          <a:p>
+            <a:pPr algn="l">
+              <a:buFont typeface="Arial" panose="020B0604020202020204" pitchFamily="34" charset="0"/>
+              <a:buChar char="•"/>
+            </a:pPr>
+            <a:r>
+              <a:rPr lang="en-US" sz="2400" b="1" i="0" dirty="0">
+                <a:solidFill>
+                  <a:schemeClr val="tx1"/>
+                </a:solidFill>
+                <a:effectLst/>
+                <a:latin typeface="Google Sans"/>
+              </a:rPr>
+              <a:t>Swift</a:t>
+            </a:r>
+            <a:r>
+              <a:rPr lang="en-US" sz="2400" b="0" i="0" dirty="0">
+                <a:solidFill>
+                  <a:schemeClr val="tx1"/>
+                </a:solidFill>
+                <a:effectLst/>
+                <a:latin typeface="Google Sans"/>
+              </a:rPr>
+              <a:t>: Apple's preferred language for iOS and macOS development, known for its safety features, performance, and ease of learning.</a:t>
+            </a:r>
+          </a:p>
+          <a:p>
+            <a:pPr algn="l">
+              <a:buFont typeface="Arial" panose="020B0604020202020204" pitchFamily="34" charset="0"/>
+              <a:buChar char="•"/>
+            </a:pPr>
+            <a:endParaRPr lang="en-US" sz="2400" b="0" i="0" dirty="0">
+              <a:solidFill>
+                <a:schemeClr val="tx1"/>
+              </a:solidFill>
+              <a:effectLst/>
+              <a:latin typeface="Google Sans"/>
+            </a:endParaRPr>
+          </a:p>
+          <a:p>
+            <a:pPr algn="l">
+              <a:buFont typeface="Arial" panose="020B0604020202020204" pitchFamily="34" charset="0"/>
+              <a:buChar char="•"/>
+            </a:pPr>
+            <a:r>
+              <a:rPr lang="en-US" sz="2400" b="1" i="0" dirty="0">
+                <a:solidFill>
+                  <a:schemeClr val="tx1"/>
+                </a:solidFill>
+                <a:effectLst/>
+                <a:latin typeface="Google Sans"/>
+              </a:rPr>
+              <a:t>Objective-C</a:t>
+            </a:r>
+            <a:r>
+              <a:rPr lang="en-US" sz="2400" b="0" i="0" dirty="0">
+                <a:solidFill>
+                  <a:schemeClr val="tx1"/>
+                </a:solidFill>
+                <a:effectLst/>
+                <a:latin typeface="Google Sans"/>
+              </a:rPr>
+              <a:t>: A traditional language used for iOS development, often used in conjunction with Swift for existing projects.</a:t>
+            </a:r>
+          </a:p>
+          <a:p>
+            <a:pPr algn="l">
+              <a:buFont typeface="Arial" panose="020B0604020202020204" pitchFamily="34" charset="0"/>
+              <a:buChar char="•"/>
+            </a:pPr>
+            <a:endParaRPr lang="en-US" sz="2400" b="0" i="0" dirty="0">
+              <a:solidFill>
+                <a:schemeClr val="tx1"/>
+              </a:solidFill>
+              <a:effectLst/>
+              <a:latin typeface="Google Sans"/>
+            </a:endParaRPr>
+          </a:p>
+          <a:p>
+            <a:pPr algn="l">
+              <a:buFont typeface="Arial" panose="020B0604020202020204" pitchFamily="34" charset="0"/>
+              <a:buChar char="•"/>
+            </a:pPr>
+            <a:r>
+              <a:rPr lang="en-US" sz="2400" b="1" i="0" dirty="0">
+                <a:solidFill>
+                  <a:schemeClr val="tx1"/>
+                </a:solidFill>
+                <a:effectLst/>
+                <a:latin typeface="Google Sans"/>
+              </a:rPr>
+              <a:t>Python</a:t>
+            </a:r>
+            <a:r>
+              <a:rPr lang="en-US" sz="2400" b="0" i="0" dirty="0">
+                <a:solidFill>
+                  <a:schemeClr val="tx1"/>
+                </a:solidFill>
+                <a:effectLst/>
+                <a:latin typeface="Google Sans"/>
+              </a:rPr>
+              <a:t>: A versatile language used for web development, data science, and automation tasks, also gaining traction in mobile app development, particularly for prototyping.</a:t>
+            </a:r>
+          </a:p>
+          <a:p>
+            <a:pPr algn="l">
+              <a:buFont typeface="Arial" panose="020B0604020202020204" pitchFamily="34" charset="0"/>
+              <a:buChar char="•"/>
+            </a:pPr>
+            <a:endParaRPr lang="en-US" sz="2400" b="0" i="0" dirty="0">
+              <a:solidFill>
+                <a:schemeClr val="tx1"/>
+              </a:solidFill>
+              <a:effectLst/>
+              <a:latin typeface="Google Sans"/>
+            </a:endParaRPr>
+          </a:p>
+          <a:p>
+            <a:pPr algn="l">
+              <a:buFont typeface="Arial" panose="020B0604020202020204" pitchFamily="34" charset="0"/>
+              <a:buChar char="•"/>
+            </a:pPr>
+            <a:r>
+              <a:rPr lang="en-US" sz="2400" b="1" i="0" dirty="0">
+                <a:solidFill>
+                  <a:schemeClr val="tx1"/>
+                </a:solidFill>
+                <a:effectLst/>
+                <a:latin typeface="Google Sans"/>
+              </a:rPr>
+              <a:t>Dart</a:t>
+            </a:r>
+            <a:r>
+              <a:rPr lang="en-US" sz="2400" b="0" i="0" dirty="0">
+                <a:solidFill>
+                  <a:schemeClr val="tx1"/>
+                </a:solidFill>
+                <a:effectLst/>
+                <a:latin typeface="Google Sans"/>
+              </a:rPr>
+              <a:t>: Google's language used with the Flutter framework for building cross-platform mobile apps, known for its high performance and hot reload feature.</a:t>
+            </a:r>
+          </a:p>
+          <a:p>
+            <a:pPr algn="l">
+              <a:buFont typeface="Arial" panose="020B0604020202020204" pitchFamily="34" charset="0"/>
+              <a:buChar char="•"/>
+            </a:pPr>
+            <a:endParaRPr lang="en-US" sz="2400" b="0" i="0" dirty="0">
+              <a:solidFill>
+                <a:schemeClr val="tx1"/>
+              </a:solidFill>
+              <a:effectLst/>
+              <a:latin typeface="Google Sans"/>
+            </a:endParaRPr>
+          </a:p>
+          <a:p>
+            <a:pPr algn="l">
+              <a:buFont typeface="Arial" panose="020B0604020202020204" pitchFamily="34" charset="0"/>
+              <a:buChar char="•"/>
+            </a:pPr>
+            <a:r>
+              <a:rPr lang="en-US" sz="2400" b="1" i="0" dirty="0">
+                <a:solidFill>
+                  <a:schemeClr val="tx1"/>
+                </a:solidFill>
+                <a:effectLst/>
+                <a:latin typeface="Google Sans"/>
+              </a:rPr>
+              <a:t>HTML, CSS, and JavaScript</a:t>
+            </a:r>
+            <a:r>
+              <a:rPr lang="en-US" sz="2400" b="0" i="0" dirty="0">
+                <a:solidFill>
+                  <a:schemeClr val="tx1"/>
+                </a:solidFill>
+                <a:effectLst/>
+                <a:latin typeface="Google Sans"/>
+              </a:rPr>
+              <a:t>: The building blocks of web development, also used to create PWAs that offer a mobile-like experience.</a:t>
+            </a:r>
+          </a:p>
+          <a:p>
+            <a:endParaRPr lang="en-CM" dirty="0"/>
+          </a:p>
+        </p:txBody>
+      </p:sp>
     </p:spTree>
     <p:extLst>
       <p:ext uri="{BB962C8B-B14F-4D97-AF65-F5344CB8AC3E}">
-        <p14:creationId xmlns:p14="http://schemas.microsoft.com/office/powerpoint/2010/main" val="1784719852"/>
+        <p14:creationId xmlns:p14="http://schemas.microsoft.com/office/powerpoint/2010/main" val="3794213763"/>
       </p:ext>
     </p:extLst>
   </p:cSld>
@@ -9647,116 +10030,39 @@
           <a:chExt cx="0" cy="0"/>
         </a:xfrm>
       </p:grpSpPr>
-      <p:sp>
-        <p:nvSpPr>
-          <p:cNvPr id="3" name="Content Placeholder 2">
+      <p:pic>
+        <p:nvPicPr>
+          <p:cNvPr id="7" name="Content Placeholder 6">
             <a:extLst>
               <a:ext uri="{FF2B5EF4-FFF2-40B4-BE49-F238E27FC236}">
-                <a16:creationId xmlns:a16="http://schemas.microsoft.com/office/drawing/2014/main" id="{AC423585-2D85-9DED-5527-F50B830C0979}"/>
+                <a16:creationId xmlns:a16="http://schemas.microsoft.com/office/drawing/2014/main" id="{A761FC82-82D1-9FDE-4AEB-444CE2784462}"/>
               </a:ext>
             </a:extLst>
           </p:cNvPr>
-          <p:cNvSpPr>
-            <a:spLocks noGrp="1"/>
-          </p:cNvSpPr>
+          <p:cNvPicPr>
+            <a:picLocks noGrp="1" noChangeAspect="1"/>
+          </p:cNvPicPr>
           <p:nvPr>
             <p:ph idx="1"/>
           </p:nvPr>
-        </p:nvSpPr>
+        </p:nvPicPr>
+        <p:blipFill>
+          <a:blip r:embed="rId2"/>
+          <a:stretch>
+            <a:fillRect/>
+          </a:stretch>
+        </p:blipFill>
         <p:spPr>
           <a:xfrm>
-            <a:off x="544010" y="578735"/>
-            <a:ext cx="11019099" cy="5937812"/>
+            <a:off x="485192" y="914400"/>
+            <a:ext cx="10375641" cy="5561045"/>
           </a:xfrm>
         </p:spPr>
-        <p:txBody>
-          <a:bodyPr>
-            <a:normAutofit fontScale="92500" lnSpcReduction="20000"/>
-          </a:bodyPr>
-          <a:lstStyle/>
-          <a:p>
-            <a:pPr algn="l">
-              <a:buFont typeface="Arial" panose="020B0604020202020204" pitchFamily="34" charset="0"/>
-              <a:buChar char="•"/>
-            </a:pPr>
-            <a:r>
-              <a:rPr lang="en-US" sz="3900" b="1" i="0" dirty="0">
-                <a:solidFill>
-                  <a:schemeClr val="tx1"/>
-                </a:solidFill>
-                <a:effectLst/>
-                <a:latin typeface="Google Sans"/>
-              </a:rPr>
-              <a:t>Native apps are the best choice for applications that require high performance, full access to device features, and the best possible user experience.</a:t>
-            </a:r>
-          </a:p>
-          <a:p>
-            <a:pPr algn="l">
-              <a:buFont typeface="Arial" panose="020B0604020202020204" pitchFamily="34" charset="0"/>
-              <a:buChar char="•"/>
-            </a:pPr>
-            <a:endParaRPr lang="en-US" sz="3900" b="1" i="0" dirty="0">
-              <a:solidFill>
-                <a:schemeClr val="tx1"/>
-              </a:solidFill>
-              <a:effectLst/>
-              <a:latin typeface="Google Sans"/>
-            </a:endParaRPr>
-          </a:p>
-          <a:p>
-            <a:pPr algn="l">
-              <a:buFont typeface="Arial" panose="020B0604020202020204" pitchFamily="34" charset="0"/>
-              <a:buChar char="•"/>
-            </a:pPr>
-            <a:r>
-              <a:rPr lang="en-US" sz="3900" b="1" i="0" dirty="0">
-                <a:solidFill>
-                  <a:schemeClr val="tx1"/>
-                </a:solidFill>
-                <a:effectLst/>
-                <a:latin typeface="Google Sans"/>
-              </a:rPr>
-              <a:t>PWAs are a good option for applications that need to be accessible across a wide range of devices and platforms, and where offline functionality is important.</a:t>
-            </a:r>
-          </a:p>
-          <a:p>
-            <a:pPr algn="l">
-              <a:buFont typeface="Arial" panose="020B0604020202020204" pitchFamily="34" charset="0"/>
-              <a:buChar char="•"/>
-            </a:pPr>
-            <a:endParaRPr lang="en-US" sz="3900" b="1" i="0" dirty="0">
-              <a:solidFill>
-                <a:schemeClr val="tx1"/>
-              </a:solidFill>
-              <a:effectLst/>
-              <a:latin typeface="Google Sans"/>
-            </a:endParaRPr>
-          </a:p>
-          <a:p>
-            <a:pPr algn="l">
-              <a:buFont typeface="Arial" panose="020B0604020202020204" pitchFamily="34" charset="0"/>
-              <a:buChar char="•"/>
-            </a:pPr>
-            <a:r>
-              <a:rPr lang="en-US" sz="3900" b="1" i="0" dirty="0">
-                <a:solidFill>
-                  <a:schemeClr val="tx1"/>
-                </a:solidFill>
-                <a:effectLst/>
-                <a:latin typeface="Google Sans"/>
-              </a:rPr>
-              <a:t>Hybrid apps offer a balance between cross-platform development and performance, making them a good choice for applications with moderate complexity.</a:t>
-            </a:r>
-          </a:p>
-          <a:p>
-            <a:endParaRPr lang="en-CM" dirty="0"/>
-          </a:p>
-        </p:txBody>
-      </p:sp>
+      </p:pic>
     </p:spTree>
     <p:extLst>
       <p:ext uri="{BB962C8B-B14F-4D97-AF65-F5344CB8AC3E}">
-        <p14:creationId xmlns:p14="http://schemas.microsoft.com/office/powerpoint/2010/main" val="2716420271"/>
+        <p14:creationId xmlns:p14="http://schemas.microsoft.com/office/powerpoint/2010/main" val="1784719852"/>
       </p:ext>
     </p:extLst>
   </p:cSld>
